--- a/卒業論文/2012/伊藤貴文/中間発表パワポ.pptx
+++ b/卒業論文/2012/伊藤貴文/中間発表パワポ.pptx
@@ -4428,8 +4428,8 @@
         </p:nvSpPr>
         <p:spPr>
           <a:xfrm>
-            <a:off x="692696" y="1187624"/>
-            <a:ext cx="6048672" cy="4248472"/>
+            <a:off x="692696" y="1259632"/>
+            <a:ext cx="6048672" cy="4176464"/>
           </a:xfrm>
           <a:prstGeom prst="roundRect">
             <a:avLst/>
@@ -4470,29 +4470,632 @@
       </p:sp>
       <p:sp>
         <p:nvSpPr>
-          <p:cNvPr id="9" name="正方形/長方形 8"/>
-          <p:cNvSpPr/>
+          <p:cNvPr id="13" name="テキスト ボックス 12"/>
+          <p:cNvSpPr txBox="1"/>
           <p:nvPr/>
         </p:nvSpPr>
         <p:spPr>
           <a:xfrm>
-            <a:off x="476672" y="1115616"/>
-            <a:ext cx="1080120" cy="360040"/>
+            <a:off x="1340768" y="1259632"/>
+            <a:ext cx="4968552" cy="584775"/>
           </a:xfrm>
           <a:prstGeom prst="rect">
             <a:avLst/>
           </a:prstGeom>
+          <a:noFill/>
+        </p:spPr>
+        <p:txBody>
+          <a:bodyPr wrap="square" rtlCol="0">
+            <a:spAutoFit/>
+          </a:bodyPr>
+          <a:lstStyle/>
+          <a:p>
+            <a:pPr algn="ctr"/>
+            <a:r>
+              <a:rPr lang="ja-JP" altLang="en-US" sz="1600" dirty="0">
+                <a:solidFill>
+                  <a:schemeClr val="tx1">
+                    <a:lumMod val="75000"/>
+                    <a:lumOff val="25000"/>
+                  </a:schemeClr>
+                </a:solidFill>
+              </a:rPr>
+              <a:t>自動車体験を向上</a:t>
+            </a:r>
+            <a:r>
+              <a:rPr lang="ja-JP" altLang="en-US" sz="1600" dirty="0" smtClean="0">
+                <a:solidFill>
+                  <a:schemeClr val="tx1">
+                    <a:lumMod val="75000"/>
+                    <a:lumOff val="25000"/>
+                  </a:schemeClr>
+                </a:solidFill>
+              </a:rPr>
+              <a:t>させる情報</a:t>
+            </a:r>
+            <a:r>
+              <a:rPr lang="ja-JP" altLang="en-US" sz="1600" dirty="0">
+                <a:solidFill>
+                  <a:schemeClr val="tx1">
+                    <a:lumMod val="75000"/>
+                    <a:lumOff val="25000"/>
+                  </a:schemeClr>
+                </a:solidFill>
+              </a:rPr>
+              <a:t>技術</a:t>
+            </a:r>
+            <a:r>
+              <a:rPr lang="ja-JP" altLang="en-US" sz="1600" dirty="0" smtClean="0">
+                <a:solidFill>
+                  <a:schemeClr val="tx1">
+                    <a:lumMod val="75000"/>
+                    <a:lumOff val="25000"/>
+                  </a:schemeClr>
+                </a:solidFill>
+              </a:rPr>
+              <a:t>は</a:t>
+            </a:r>
+            <a:endParaRPr lang="en-US" altLang="ja-JP" sz="1600" dirty="0" smtClean="0">
+              <a:solidFill>
+                <a:schemeClr val="tx1">
+                  <a:lumMod val="75000"/>
+                  <a:lumOff val="25000"/>
+                </a:schemeClr>
+              </a:solidFill>
+            </a:endParaRPr>
+          </a:p>
+          <a:p>
+            <a:pPr algn="ctr"/>
+            <a:r>
+              <a:rPr lang="ja-JP" altLang="en-US" sz="1600" dirty="0" smtClean="0">
+                <a:solidFill>
+                  <a:schemeClr val="tx1">
+                    <a:lumMod val="75000"/>
+                    <a:lumOff val="25000"/>
+                  </a:schemeClr>
+                </a:solidFill>
+              </a:rPr>
+              <a:t>大きく</a:t>
+            </a:r>
+            <a:r>
+              <a:rPr lang="en-US" altLang="ja-JP" sz="1600" dirty="0">
+                <a:solidFill>
+                  <a:schemeClr val="tx1">
+                    <a:lumMod val="75000"/>
+                    <a:lumOff val="25000"/>
+                  </a:schemeClr>
+                </a:solidFill>
+              </a:rPr>
+              <a:t>2</a:t>
+            </a:r>
+            <a:r>
+              <a:rPr lang="ja-JP" altLang="en-US" sz="1600" dirty="0" err="1">
+                <a:solidFill>
+                  <a:schemeClr val="tx1">
+                    <a:lumMod val="75000"/>
+                    <a:lumOff val="25000"/>
+                  </a:schemeClr>
+                </a:solidFill>
+              </a:rPr>
+              <a:t>つに</a:t>
+            </a:r>
+            <a:r>
+              <a:rPr lang="ja-JP" altLang="en-US" sz="1600" dirty="0">
+                <a:solidFill>
+                  <a:schemeClr val="tx1">
+                    <a:lumMod val="75000"/>
+                    <a:lumOff val="25000"/>
+                  </a:schemeClr>
+                </a:solidFill>
+              </a:rPr>
+              <a:t>分けられる</a:t>
+            </a:r>
+            <a:endParaRPr kumimoji="1" lang="ja-JP" altLang="en-US" sz="1600" dirty="0">
+              <a:solidFill>
+                <a:schemeClr val="tx1">
+                  <a:lumMod val="75000"/>
+                  <a:lumOff val="25000"/>
+                </a:schemeClr>
+              </a:solidFill>
+            </a:endParaRPr>
+          </a:p>
+        </p:txBody>
+      </p:sp>
+      <p:sp>
+        <p:nvSpPr>
+          <p:cNvPr id="14" name="テキスト ボックス 13"/>
+          <p:cNvSpPr txBox="1"/>
+          <p:nvPr/>
+        </p:nvSpPr>
+        <p:spPr>
+          <a:xfrm>
+            <a:off x="836712" y="1907704"/>
+            <a:ext cx="2304256" cy="338554"/>
+          </a:xfrm>
+          <a:prstGeom prst="rect">
+            <a:avLst/>
+          </a:prstGeom>
+          <a:noFill/>
+        </p:spPr>
+        <p:txBody>
+          <a:bodyPr wrap="square" rtlCol="0">
+            <a:spAutoFit/>
+          </a:bodyPr>
+          <a:lstStyle/>
+          <a:p>
+            <a:r>
+              <a:rPr lang="ja-JP" altLang="en-US" sz="1600" dirty="0">
+                <a:solidFill>
+                  <a:schemeClr val="tx1">
+                    <a:lumMod val="75000"/>
+                    <a:lumOff val="25000"/>
+                  </a:schemeClr>
+                </a:solidFill>
+              </a:rPr>
+              <a:t>①</a:t>
+            </a:r>
+            <a:r>
+              <a:rPr lang="ja-JP" altLang="ja-JP" sz="1600" dirty="0" smtClean="0">
+                <a:solidFill>
+                  <a:schemeClr val="tx1">
+                    <a:lumMod val="75000"/>
+                    <a:lumOff val="25000"/>
+                  </a:schemeClr>
+                </a:solidFill>
+              </a:rPr>
+              <a:t>運転</a:t>
+            </a:r>
+            <a:r>
+              <a:rPr lang="ja-JP" altLang="ja-JP" sz="1600" dirty="0">
+                <a:solidFill>
+                  <a:schemeClr val="tx1">
+                    <a:lumMod val="75000"/>
+                    <a:lumOff val="25000"/>
+                  </a:schemeClr>
+                </a:solidFill>
+              </a:rPr>
+              <a:t>支援技術</a:t>
+            </a:r>
+            <a:endParaRPr kumimoji="1" lang="ja-JP" altLang="en-US" sz="1600" dirty="0">
+              <a:solidFill>
+                <a:schemeClr val="tx1">
+                  <a:lumMod val="75000"/>
+                  <a:lumOff val="25000"/>
+                </a:schemeClr>
+              </a:solidFill>
+            </a:endParaRPr>
+          </a:p>
+        </p:txBody>
+      </p:sp>
+      <p:sp>
+        <p:nvSpPr>
+          <p:cNvPr id="15" name="テキスト ボックス 14"/>
+          <p:cNvSpPr txBox="1"/>
+          <p:nvPr/>
+        </p:nvSpPr>
+        <p:spPr>
+          <a:xfrm>
+            <a:off x="3645024" y="1907704"/>
+            <a:ext cx="3384376" cy="338554"/>
+          </a:xfrm>
+          <a:prstGeom prst="rect">
+            <a:avLst/>
+          </a:prstGeom>
+          <a:noFill/>
+        </p:spPr>
+        <p:txBody>
+          <a:bodyPr wrap="square" rtlCol="0">
+            <a:spAutoFit/>
+          </a:bodyPr>
+          <a:lstStyle/>
+          <a:p>
+            <a:r>
+              <a:rPr lang="ja-JP" altLang="en-US" sz="1600" dirty="0" smtClean="0">
+                <a:solidFill>
+                  <a:schemeClr val="tx1">
+                    <a:lumMod val="75000"/>
+                    <a:lumOff val="25000"/>
+                  </a:schemeClr>
+                </a:solidFill>
+              </a:rPr>
+              <a:t>②</a:t>
+            </a:r>
+            <a:r>
+              <a:rPr lang="ja-JP" altLang="ja-JP" sz="1600" dirty="0" smtClean="0">
+                <a:solidFill>
+                  <a:schemeClr val="tx1">
+                    <a:lumMod val="75000"/>
+                    <a:lumOff val="25000"/>
+                  </a:schemeClr>
+                </a:solidFill>
+              </a:rPr>
+              <a:t>コミュニケーション</a:t>
+            </a:r>
+            <a:r>
+              <a:rPr lang="ja-JP" altLang="ja-JP" sz="1600" dirty="0">
+                <a:solidFill>
+                  <a:schemeClr val="tx1">
+                    <a:lumMod val="75000"/>
+                    <a:lumOff val="25000"/>
+                  </a:schemeClr>
+                </a:solidFill>
+              </a:rPr>
+              <a:t>支援技術</a:t>
+            </a:r>
+            <a:endParaRPr kumimoji="1" lang="ja-JP" altLang="en-US" sz="1600" dirty="0">
+              <a:solidFill>
+                <a:schemeClr val="tx1">
+                  <a:lumMod val="75000"/>
+                  <a:lumOff val="25000"/>
+                </a:schemeClr>
+              </a:solidFill>
+            </a:endParaRPr>
+          </a:p>
+        </p:txBody>
+      </p:sp>
+      <p:sp>
+        <p:nvSpPr>
+          <p:cNvPr id="20" name="テキスト ボックス 19"/>
+          <p:cNvSpPr txBox="1"/>
+          <p:nvPr/>
+        </p:nvSpPr>
+        <p:spPr>
+          <a:xfrm>
+            <a:off x="908720" y="2267744"/>
+            <a:ext cx="2880320" cy="923330"/>
+          </a:xfrm>
+          <a:prstGeom prst="rect">
+            <a:avLst/>
+          </a:prstGeom>
+          <a:noFill/>
+        </p:spPr>
+        <p:txBody>
+          <a:bodyPr wrap="square" rtlCol="0">
+            <a:spAutoFit/>
+          </a:bodyPr>
+          <a:lstStyle/>
+          <a:p>
+            <a:r>
+              <a:rPr kumimoji="1" lang="ja-JP" altLang="en-US" b="1" dirty="0" smtClean="0">
+                <a:solidFill>
+                  <a:schemeClr val="tx1">
+                    <a:lumMod val="75000"/>
+                    <a:lumOff val="25000"/>
+                  </a:schemeClr>
+                </a:solidFill>
+              </a:rPr>
+              <a:t>・</a:t>
+            </a:r>
+            <a:r>
+              <a:rPr kumimoji="1" lang="en-US" altLang="ja-JP" b="1" dirty="0" smtClean="0">
+                <a:solidFill>
+                  <a:schemeClr val="tx1">
+                    <a:lumMod val="75000"/>
+                    <a:lumOff val="25000"/>
+                  </a:schemeClr>
+                </a:solidFill>
+              </a:rPr>
+              <a:t>ACC</a:t>
+            </a:r>
+            <a:endParaRPr kumimoji="1" lang="en-US" altLang="ja-JP" b="1" dirty="0" smtClean="0">
+              <a:solidFill>
+                <a:schemeClr val="tx1">
+                  <a:lumMod val="75000"/>
+                  <a:lumOff val="25000"/>
+                </a:schemeClr>
+              </a:solidFill>
+            </a:endParaRPr>
+          </a:p>
+          <a:p>
+            <a:r>
+              <a:rPr lang="ja-JP" altLang="en-US" dirty="0" smtClean="0">
+                <a:solidFill>
+                  <a:schemeClr val="tx1">
+                    <a:lumMod val="75000"/>
+                    <a:lumOff val="25000"/>
+                  </a:schemeClr>
+                </a:solidFill>
+              </a:rPr>
+              <a:t>・衝突</a:t>
+            </a:r>
+            <a:r>
+              <a:rPr lang="ja-JP" altLang="en-US" dirty="0" smtClean="0">
+                <a:solidFill>
+                  <a:schemeClr val="tx1">
+                    <a:lumMod val="75000"/>
+                    <a:lumOff val="25000"/>
+                  </a:schemeClr>
+                </a:solidFill>
+              </a:rPr>
+              <a:t>被害軽減ブレーキ</a:t>
+            </a:r>
+            <a:endParaRPr lang="en-US" altLang="ja-JP" dirty="0" smtClean="0">
+              <a:solidFill>
+                <a:schemeClr val="tx1">
+                  <a:lumMod val="75000"/>
+                  <a:lumOff val="25000"/>
+                </a:schemeClr>
+              </a:solidFill>
+            </a:endParaRPr>
+          </a:p>
+          <a:p>
+            <a:r>
+              <a:rPr kumimoji="1" lang="ja-JP" altLang="en-US" dirty="0" smtClean="0">
+                <a:solidFill>
+                  <a:schemeClr val="tx1">
+                    <a:lumMod val="75000"/>
+                    <a:lumOff val="25000"/>
+                  </a:schemeClr>
+                </a:solidFill>
+              </a:rPr>
+              <a:t>・レーンキープアシスト</a:t>
+            </a:r>
+            <a:endParaRPr kumimoji="1" lang="ja-JP" altLang="en-US" dirty="0">
+              <a:solidFill>
+                <a:schemeClr val="tx1">
+                  <a:lumMod val="75000"/>
+                  <a:lumOff val="25000"/>
+                </a:schemeClr>
+              </a:solidFill>
+            </a:endParaRPr>
+          </a:p>
+        </p:txBody>
+      </p:sp>
+      <p:sp>
+        <p:nvSpPr>
+          <p:cNvPr id="21" name="テキスト ボックス 20"/>
+          <p:cNvSpPr txBox="1"/>
+          <p:nvPr/>
+        </p:nvSpPr>
+        <p:spPr>
+          <a:xfrm>
+            <a:off x="3861048" y="2339752"/>
+            <a:ext cx="2880320" cy="646331"/>
+          </a:xfrm>
+          <a:prstGeom prst="rect">
+            <a:avLst/>
+          </a:prstGeom>
+          <a:noFill/>
+        </p:spPr>
+        <p:txBody>
+          <a:bodyPr wrap="square" rtlCol="0">
+            <a:spAutoFit/>
+          </a:bodyPr>
+          <a:lstStyle/>
+          <a:p>
+            <a:r>
+              <a:rPr kumimoji="1" lang="ja-JP" altLang="en-US" dirty="0" smtClean="0">
+                <a:solidFill>
+                  <a:schemeClr val="tx1">
+                    <a:lumMod val="75000"/>
+                    <a:lumOff val="25000"/>
+                  </a:schemeClr>
+                </a:solidFill>
+              </a:rPr>
+              <a:t>・カーナビゲーション</a:t>
+            </a:r>
+            <a:endParaRPr kumimoji="1" lang="en-US" altLang="ja-JP" dirty="0" smtClean="0">
+              <a:solidFill>
+                <a:schemeClr val="tx1">
+                  <a:lumMod val="75000"/>
+                  <a:lumOff val="25000"/>
+                </a:schemeClr>
+              </a:solidFill>
+            </a:endParaRPr>
+          </a:p>
+          <a:p>
+            <a:r>
+              <a:rPr lang="ja-JP" altLang="en-US" dirty="0" smtClean="0">
+                <a:solidFill>
+                  <a:schemeClr val="tx1">
+                    <a:lumMod val="75000"/>
+                    <a:lumOff val="25000"/>
+                  </a:schemeClr>
+                </a:solidFill>
+              </a:rPr>
+              <a:t>・ハンズフリー</a:t>
+            </a:r>
+            <a:r>
+              <a:rPr lang="ja-JP" altLang="en-US" dirty="0" smtClean="0">
+                <a:solidFill>
+                  <a:schemeClr val="tx1">
+                    <a:lumMod val="75000"/>
+                    <a:lumOff val="25000"/>
+                  </a:schemeClr>
+                </a:solidFill>
+              </a:rPr>
+              <a:t>通話</a:t>
+            </a:r>
+            <a:endParaRPr kumimoji="1" lang="ja-JP" altLang="en-US" dirty="0">
+              <a:solidFill>
+                <a:schemeClr val="tx1">
+                  <a:lumMod val="75000"/>
+                  <a:lumOff val="25000"/>
+                </a:schemeClr>
+              </a:solidFill>
+            </a:endParaRPr>
+          </a:p>
+        </p:txBody>
+      </p:sp>
+      <p:sp>
+        <p:nvSpPr>
+          <p:cNvPr id="26" name="テキスト ボックス 25"/>
+          <p:cNvSpPr txBox="1"/>
+          <p:nvPr/>
+        </p:nvSpPr>
+        <p:spPr>
+          <a:xfrm>
+            <a:off x="1700808" y="4499992"/>
+            <a:ext cx="4248472" cy="830997"/>
+          </a:xfrm>
+          <a:prstGeom prst="rect">
+            <a:avLst/>
+          </a:prstGeom>
+          <a:noFill/>
+        </p:spPr>
+        <p:txBody>
+          <a:bodyPr wrap="square" rtlCol="0">
+            <a:spAutoFit/>
+          </a:bodyPr>
+          <a:lstStyle/>
+          <a:p>
+            <a:pPr algn="ctr"/>
+            <a:r>
+              <a:rPr lang="ja-JP" altLang="ja-JP" sz="1600" dirty="0">
+                <a:solidFill>
+                  <a:schemeClr val="tx1">
+                    <a:lumMod val="75000"/>
+                    <a:lumOff val="25000"/>
+                  </a:schemeClr>
+                </a:solidFill>
+              </a:rPr>
+              <a:t>導入するためには，その技術を</a:t>
+            </a:r>
+            <a:r>
+              <a:rPr lang="ja-JP" altLang="ja-JP" sz="1600" dirty="0" smtClean="0">
+                <a:solidFill>
+                  <a:schemeClr val="tx1">
+                    <a:lumMod val="75000"/>
+                    <a:lumOff val="25000"/>
+                  </a:schemeClr>
+                </a:solidFill>
+              </a:rPr>
+              <a:t>採用</a:t>
+            </a:r>
+            <a:endParaRPr lang="en-US" altLang="ja-JP" sz="1600" dirty="0" smtClean="0">
+              <a:solidFill>
+                <a:schemeClr val="tx1">
+                  <a:lumMod val="75000"/>
+                  <a:lumOff val="25000"/>
+                </a:schemeClr>
+              </a:solidFill>
+            </a:endParaRPr>
+          </a:p>
+          <a:p>
+            <a:pPr algn="ctr"/>
+            <a:r>
+              <a:rPr lang="ja-JP" altLang="ja-JP" sz="1600" dirty="0" smtClean="0">
+                <a:solidFill>
+                  <a:schemeClr val="tx1">
+                    <a:lumMod val="75000"/>
+                    <a:lumOff val="25000"/>
+                  </a:schemeClr>
+                </a:solidFill>
+              </a:rPr>
+              <a:t>して</a:t>
+            </a:r>
+            <a:r>
+              <a:rPr lang="ja-JP" altLang="ja-JP" sz="1600" dirty="0">
+                <a:solidFill>
+                  <a:schemeClr val="tx1">
+                    <a:lumMod val="75000"/>
+                    <a:lumOff val="25000"/>
+                  </a:schemeClr>
+                </a:solidFill>
+              </a:rPr>
+              <a:t>いるメーカーの</a:t>
+            </a:r>
+            <a:r>
+              <a:rPr lang="ja-JP" altLang="ja-JP" sz="1600" dirty="0" smtClean="0">
+                <a:solidFill>
+                  <a:schemeClr val="tx1">
+                    <a:lumMod val="75000"/>
+                    <a:lumOff val="25000"/>
+                  </a:schemeClr>
+                </a:solidFill>
+              </a:rPr>
+              <a:t>新車</a:t>
+            </a:r>
+            <a:r>
+              <a:rPr lang="ja-JP" altLang="en-US" sz="1600" dirty="0" smtClean="0">
+                <a:solidFill>
+                  <a:schemeClr val="tx1">
+                    <a:lumMod val="75000"/>
+                    <a:lumOff val="25000"/>
+                  </a:schemeClr>
+                </a:solidFill>
+              </a:rPr>
+              <a:t>や専用端末</a:t>
+            </a:r>
+            <a:r>
+              <a:rPr lang="ja-JP" altLang="ja-JP" sz="1600" dirty="0" smtClean="0">
+                <a:solidFill>
+                  <a:schemeClr val="tx1">
+                    <a:lumMod val="75000"/>
+                    <a:lumOff val="25000"/>
+                  </a:schemeClr>
+                </a:solidFill>
+              </a:rPr>
+              <a:t>を</a:t>
+            </a:r>
+            <a:endParaRPr lang="en-US" altLang="ja-JP" sz="1600" dirty="0" smtClean="0">
+              <a:solidFill>
+                <a:schemeClr val="tx1">
+                  <a:lumMod val="75000"/>
+                  <a:lumOff val="25000"/>
+                </a:schemeClr>
+              </a:solidFill>
+            </a:endParaRPr>
+          </a:p>
+          <a:p>
+            <a:pPr algn="ctr"/>
+            <a:r>
+              <a:rPr lang="ja-JP" altLang="ja-JP" sz="1600" dirty="0" smtClean="0">
+                <a:solidFill>
+                  <a:schemeClr val="tx1">
+                    <a:lumMod val="75000"/>
+                    <a:lumOff val="25000"/>
+                  </a:schemeClr>
+                </a:solidFill>
+              </a:rPr>
+              <a:t>購入</a:t>
+            </a:r>
+            <a:r>
+              <a:rPr lang="ja-JP" altLang="ja-JP" sz="1600" dirty="0">
+                <a:solidFill>
+                  <a:schemeClr val="tx1">
+                    <a:lumMod val="75000"/>
+                    <a:lumOff val="25000"/>
+                  </a:schemeClr>
+                </a:solidFill>
+              </a:rPr>
+              <a:t>するしかないという欠点があった．</a:t>
+            </a:r>
+            <a:endParaRPr kumimoji="1" lang="ja-JP" altLang="en-US" sz="1600" dirty="0">
+              <a:solidFill>
+                <a:schemeClr val="tx1">
+                  <a:lumMod val="75000"/>
+                  <a:lumOff val="25000"/>
+                </a:schemeClr>
+              </a:solidFill>
+            </a:endParaRPr>
+          </a:p>
+        </p:txBody>
+      </p:sp>
+      <p:sp>
+        <p:nvSpPr>
+          <p:cNvPr id="28" name="円/楕円 27"/>
+          <p:cNvSpPr/>
+          <p:nvPr/>
+        </p:nvSpPr>
+        <p:spPr>
+          <a:xfrm>
+            <a:off x="908720" y="5724128"/>
+            <a:ext cx="5760640" cy="1368152"/>
+          </a:xfrm>
+          <a:prstGeom prst="ellipse">
+            <a:avLst/>
+          </a:prstGeom>
           <a:solidFill>
-            <a:schemeClr val="accent5">
-              <a:lumMod val="20000"/>
-              <a:lumOff val="80000"/>
+            <a:schemeClr val="accent1">
+              <a:lumMod val="40000"/>
+              <a:lumOff val="60000"/>
             </a:schemeClr>
           </a:solidFill>
           <a:ln>
             <a:solidFill>
-              <a:schemeClr val="accent6">
-                <a:lumMod val="60000"/>
-                <a:lumOff val="40000"/>
+              <a:schemeClr val="bg2">
+                <a:lumMod val="50000"/>
               </a:schemeClr>
             </a:solidFill>
           </a:ln>
@@ -4524,700 +5127,6 @@
       </p:sp>
       <p:sp>
         <p:nvSpPr>
-          <p:cNvPr id="10" name="テキスト ボックス 9"/>
-          <p:cNvSpPr txBox="1"/>
-          <p:nvPr/>
-        </p:nvSpPr>
-        <p:spPr>
-          <a:xfrm>
-            <a:off x="476672" y="1115616"/>
-            <a:ext cx="1080120" cy="400110"/>
-          </a:xfrm>
-          <a:prstGeom prst="rect">
-            <a:avLst/>
-          </a:prstGeom>
-          <a:noFill/>
-        </p:spPr>
-        <p:txBody>
-          <a:bodyPr wrap="square" rtlCol="0">
-            <a:spAutoFit/>
-          </a:bodyPr>
-          <a:lstStyle/>
-          <a:p>
-            <a:pPr algn="ctr"/>
-            <a:r>
-              <a:rPr kumimoji="1" lang="ja-JP" altLang="en-US" sz="2000" dirty="0" smtClean="0">
-                <a:solidFill>
-                  <a:schemeClr val="tx1">
-                    <a:lumMod val="75000"/>
-                    <a:lumOff val="25000"/>
-                  </a:schemeClr>
-                </a:solidFill>
-              </a:rPr>
-              <a:t>背景</a:t>
-            </a:r>
-            <a:endParaRPr kumimoji="1" lang="ja-JP" altLang="en-US" sz="2000" dirty="0">
-              <a:solidFill>
-                <a:schemeClr val="tx1">
-                  <a:lumMod val="75000"/>
-                  <a:lumOff val="25000"/>
-                </a:schemeClr>
-              </a:solidFill>
-            </a:endParaRPr>
-          </a:p>
-        </p:txBody>
-      </p:sp>
-      <p:sp>
-        <p:nvSpPr>
-          <p:cNvPr id="13" name="テキスト ボックス 12"/>
-          <p:cNvSpPr txBox="1"/>
-          <p:nvPr/>
-        </p:nvSpPr>
-        <p:spPr>
-          <a:xfrm>
-            <a:off x="1340768" y="1259632"/>
-            <a:ext cx="4968552" cy="584775"/>
-          </a:xfrm>
-          <a:prstGeom prst="rect">
-            <a:avLst/>
-          </a:prstGeom>
-          <a:noFill/>
-        </p:spPr>
-        <p:txBody>
-          <a:bodyPr wrap="square" rtlCol="0">
-            <a:spAutoFit/>
-          </a:bodyPr>
-          <a:lstStyle/>
-          <a:p>
-            <a:pPr algn="ctr"/>
-            <a:r>
-              <a:rPr lang="ja-JP" altLang="en-US" sz="1600" dirty="0">
-                <a:solidFill>
-                  <a:schemeClr val="tx1">
-                    <a:lumMod val="75000"/>
-                    <a:lumOff val="25000"/>
-                  </a:schemeClr>
-                </a:solidFill>
-              </a:rPr>
-              <a:t>自動車体験を向上</a:t>
-            </a:r>
-            <a:r>
-              <a:rPr lang="ja-JP" altLang="en-US" sz="1600" dirty="0" smtClean="0">
-                <a:solidFill>
-                  <a:schemeClr val="tx1">
-                    <a:lumMod val="75000"/>
-                    <a:lumOff val="25000"/>
-                  </a:schemeClr>
-                </a:solidFill>
-              </a:rPr>
-              <a:t>させる</a:t>
-            </a:r>
-            <a:endParaRPr lang="en-US" altLang="ja-JP" sz="1600" dirty="0" smtClean="0">
-              <a:solidFill>
-                <a:schemeClr val="tx1">
-                  <a:lumMod val="75000"/>
-                  <a:lumOff val="25000"/>
-                </a:schemeClr>
-              </a:solidFill>
-            </a:endParaRPr>
-          </a:p>
-          <a:p>
-            <a:pPr algn="ctr"/>
-            <a:r>
-              <a:rPr lang="ja-JP" altLang="en-US" sz="1600" dirty="0" smtClean="0">
-                <a:solidFill>
-                  <a:schemeClr val="tx1">
-                    <a:lumMod val="75000"/>
-                    <a:lumOff val="25000"/>
-                  </a:schemeClr>
-                </a:solidFill>
-              </a:rPr>
-              <a:t>情報</a:t>
-            </a:r>
-            <a:r>
-              <a:rPr lang="ja-JP" altLang="en-US" sz="1600" dirty="0">
-                <a:solidFill>
-                  <a:schemeClr val="tx1">
-                    <a:lumMod val="75000"/>
-                    <a:lumOff val="25000"/>
-                  </a:schemeClr>
-                </a:solidFill>
-              </a:rPr>
-              <a:t>技術は大きく</a:t>
-            </a:r>
-            <a:r>
-              <a:rPr lang="en-US" altLang="ja-JP" sz="1600" dirty="0">
-                <a:solidFill>
-                  <a:schemeClr val="tx1">
-                    <a:lumMod val="75000"/>
-                    <a:lumOff val="25000"/>
-                  </a:schemeClr>
-                </a:solidFill>
-              </a:rPr>
-              <a:t>2</a:t>
-            </a:r>
-            <a:r>
-              <a:rPr lang="ja-JP" altLang="en-US" sz="1600" dirty="0" err="1">
-                <a:solidFill>
-                  <a:schemeClr val="tx1">
-                    <a:lumMod val="75000"/>
-                    <a:lumOff val="25000"/>
-                  </a:schemeClr>
-                </a:solidFill>
-              </a:rPr>
-              <a:t>つに</a:t>
-            </a:r>
-            <a:r>
-              <a:rPr lang="ja-JP" altLang="en-US" sz="1600" dirty="0">
-                <a:solidFill>
-                  <a:schemeClr val="tx1">
-                    <a:lumMod val="75000"/>
-                    <a:lumOff val="25000"/>
-                  </a:schemeClr>
-                </a:solidFill>
-              </a:rPr>
-              <a:t>分けられる</a:t>
-            </a:r>
-            <a:endParaRPr kumimoji="1" lang="ja-JP" altLang="en-US" sz="1600" dirty="0">
-              <a:solidFill>
-                <a:schemeClr val="tx1">
-                  <a:lumMod val="75000"/>
-                  <a:lumOff val="25000"/>
-                </a:schemeClr>
-              </a:solidFill>
-            </a:endParaRPr>
-          </a:p>
-        </p:txBody>
-      </p:sp>
-      <p:sp>
-        <p:nvSpPr>
-          <p:cNvPr id="14" name="テキスト ボックス 13"/>
-          <p:cNvSpPr txBox="1"/>
-          <p:nvPr/>
-        </p:nvSpPr>
-        <p:spPr>
-          <a:xfrm>
-            <a:off x="836712" y="1907704"/>
-            <a:ext cx="2304256" cy="338554"/>
-          </a:xfrm>
-          <a:prstGeom prst="rect">
-            <a:avLst/>
-          </a:prstGeom>
-          <a:noFill/>
-        </p:spPr>
-        <p:txBody>
-          <a:bodyPr wrap="square" rtlCol="0">
-            <a:spAutoFit/>
-          </a:bodyPr>
-          <a:lstStyle/>
-          <a:p>
-            <a:r>
-              <a:rPr lang="ja-JP" altLang="en-US" sz="1600" dirty="0">
-                <a:solidFill>
-                  <a:schemeClr val="tx1">
-                    <a:lumMod val="75000"/>
-                    <a:lumOff val="25000"/>
-                  </a:schemeClr>
-                </a:solidFill>
-              </a:rPr>
-              <a:t>①</a:t>
-            </a:r>
-            <a:r>
-              <a:rPr lang="ja-JP" altLang="ja-JP" sz="1600" dirty="0" smtClean="0">
-                <a:solidFill>
-                  <a:schemeClr val="tx1">
-                    <a:lumMod val="75000"/>
-                    <a:lumOff val="25000"/>
-                  </a:schemeClr>
-                </a:solidFill>
-              </a:rPr>
-              <a:t>運転</a:t>
-            </a:r>
-            <a:r>
-              <a:rPr lang="ja-JP" altLang="ja-JP" sz="1600" dirty="0">
-                <a:solidFill>
-                  <a:schemeClr val="tx1">
-                    <a:lumMod val="75000"/>
-                    <a:lumOff val="25000"/>
-                  </a:schemeClr>
-                </a:solidFill>
-              </a:rPr>
-              <a:t>支援技術</a:t>
-            </a:r>
-            <a:endParaRPr kumimoji="1" lang="ja-JP" altLang="en-US" sz="1600" dirty="0">
-              <a:solidFill>
-                <a:schemeClr val="tx1">
-                  <a:lumMod val="75000"/>
-                  <a:lumOff val="25000"/>
-                </a:schemeClr>
-              </a:solidFill>
-            </a:endParaRPr>
-          </a:p>
-        </p:txBody>
-      </p:sp>
-      <p:sp>
-        <p:nvSpPr>
-          <p:cNvPr id="15" name="テキスト ボックス 14"/>
-          <p:cNvSpPr txBox="1"/>
-          <p:nvPr/>
-        </p:nvSpPr>
-        <p:spPr>
-          <a:xfrm>
-            <a:off x="3645024" y="1907704"/>
-            <a:ext cx="3384376" cy="338554"/>
-          </a:xfrm>
-          <a:prstGeom prst="rect">
-            <a:avLst/>
-          </a:prstGeom>
-          <a:noFill/>
-        </p:spPr>
-        <p:txBody>
-          <a:bodyPr wrap="square" rtlCol="0">
-            <a:spAutoFit/>
-          </a:bodyPr>
-          <a:lstStyle/>
-          <a:p>
-            <a:r>
-              <a:rPr lang="ja-JP" altLang="en-US" sz="1600" dirty="0" smtClean="0">
-                <a:solidFill>
-                  <a:schemeClr val="tx1">
-                    <a:lumMod val="75000"/>
-                    <a:lumOff val="25000"/>
-                  </a:schemeClr>
-                </a:solidFill>
-              </a:rPr>
-              <a:t>②</a:t>
-            </a:r>
-            <a:r>
-              <a:rPr lang="ja-JP" altLang="ja-JP" sz="1600" dirty="0" smtClean="0">
-                <a:solidFill>
-                  <a:schemeClr val="tx1">
-                    <a:lumMod val="75000"/>
-                    <a:lumOff val="25000"/>
-                  </a:schemeClr>
-                </a:solidFill>
-              </a:rPr>
-              <a:t>コミュニケーション</a:t>
-            </a:r>
-            <a:r>
-              <a:rPr lang="ja-JP" altLang="ja-JP" sz="1600" dirty="0">
-                <a:solidFill>
-                  <a:schemeClr val="tx1">
-                    <a:lumMod val="75000"/>
-                    <a:lumOff val="25000"/>
-                  </a:schemeClr>
-                </a:solidFill>
-              </a:rPr>
-              <a:t>支援技術</a:t>
-            </a:r>
-            <a:endParaRPr kumimoji="1" lang="ja-JP" altLang="en-US" sz="1600" dirty="0">
-              <a:solidFill>
-                <a:schemeClr val="tx1">
-                  <a:lumMod val="75000"/>
-                  <a:lumOff val="25000"/>
-                </a:schemeClr>
-              </a:solidFill>
-            </a:endParaRPr>
-          </a:p>
-        </p:txBody>
-      </p:sp>
-      <p:sp>
-        <p:nvSpPr>
-          <p:cNvPr id="20" name="テキスト ボックス 19"/>
-          <p:cNvSpPr txBox="1"/>
-          <p:nvPr/>
-        </p:nvSpPr>
-        <p:spPr>
-          <a:xfrm>
-            <a:off x="908720" y="2267744"/>
-            <a:ext cx="2592288" cy="923330"/>
-          </a:xfrm>
-          <a:prstGeom prst="rect">
-            <a:avLst/>
-          </a:prstGeom>
-          <a:noFill/>
-        </p:spPr>
-        <p:txBody>
-          <a:bodyPr wrap="square" rtlCol="0">
-            <a:spAutoFit/>
-          </a:bodyPr>
-          <a:lstStyle/>
-          <a:p>
-            <a:r>
-              <a:rPr kumimoji="1" lang="en-US" altLang="ja-JP" b="1" dirty="0" smtClean="0">
-                <a:solidFill>
-                  <a:schemeClr val="tx1">
-                    <a:lumMod val="75000"/>
-                    <a:lumOff val="25000"/>
-                  </a:schemeClr>
-                </a:solidFill>
-              </a:rPr>
-              <a:t>ACC</a:t>
-            </a:r>
-          </a:p>
-          <a:p>
-            <a:r>
-              <a:rPr lang="ja-JP" altLang="en-US" dirty="0" smtClean="0">
-                <a:solidFill>
-                  <a:schemeClr val="tx1">
-                    <a:lumMod val="75000"/>
-                    <a:lumOff val="25000"/>
-                  </a:schemeClr>
-                </a:solidFill>
-              </a:rPr>
-              <a:t>衝突被害軽減ブレーキ</a:t>
-            </a:r>
-            <a:endParaRPr lang="en-US" altLang="ja-JP" dirty="0" smtClean="0">
-              <a:solidFill>
-                <a:schemeClr val="tx1">
-                  <a:lumMod val="75000"/>
-                  <a:lumOff val="25000"/>
-                </a:schemeClr>
-              </a:solidFill>
-            </a:endParaRPr>
-          </a:p>
-          <a:p>
-            <a:r>
-              <a:rPr kumimoji="1" lang="ja-JP" altLang="en-US" dirty="0" smtClean="0">
-                <a:solidFill>
-                  <a:schemeClr val="tx1">
-                    <a:lumMod val="75000"/>
-                    <a:lumOff val="25000"/>
-                  </a:schemeClr>
-                </a:solidFill>
-              </a:rPr>
-              <a:t>レーンキープアシスト</a:t>
-            </a:r>
-            <a:endParaRPr kumimoji="1" lang="ja-JP" altLang="en-US" dirty="0">
-              <a:solidFill>
-                <a:schemeClr val="tx1">
-                  <a:lumMod val="75000"/>
-                  <a:lumOff val="25000"/>
-                </a:schemeClr>
-              </a:solidFill>
-            </a:endParaRPr>
-          </a:p>
-        </p:txBody>
-      </p:sp>
-      <p:sp>
-        <p:nvSpPr>
-          <p:cNvPr id="21" name="テキスト ボックス 20"/>
-          <p:cNvSpPr txBox="1"/>
-          <p:nvPr/>
-        </p:nvSpPr>
-        <p:spPr>
-          <a:xfrm>
-            <a:off x="3717032" y="2339752"/>
-            <a:ext cx="2880320" cy="646331"/>
-          </a:xfrm>
-          <a:prstGeom prst="rect">
-            <a:avLst/>
-          </a:prstGeom>
-          <a:noFill/>
-        </p:spPr>
-        <p:txBody>
-          <a:bodyPr wrap="square" rtlCol="0">
-            <a:spAutoFit/>
-          </a:bodyPr>
-          <a:lstStyle/>
-          <a:p>
-            <a:r>
-              <a:rPr kumimoji="1" lang="ja-JP" altLang="en-US" dirty="0" smtClean="0">
-                <a:solidFill>
-                  <a:schemeClr val="tx1">
-                    <a:lumMod val="75000"/>
-                    <a:lumOff val="25000"/>
-                  </a:schemeClr>
-                </a:solidFill>
-              </a:rPr>
-              <a:t>カーナビゲーション</a:t>
-            </a:r>
-            <a:endParaRPr kumimoji="1" lang="en-US" altLang="ja-JP" dirty="0" smtClean="0">
-              <a:solidFill>
-                <a:schemeClr val="tx1">
-                  <a:lumMod val="75000"/>
-                  <a:lumOff val="25000"/>
-                </a:schemeClr>
-              </a:solidFill>
-            </a:endParaRPr>
-          </a:p>
-          <a:p>
-            <a:r>
-              <a:rPr lang="ja-JP" altLang="en-US" dirty="0" smtClean="0">
-                <a:solidFill>
-                  <a:schemeClr val="tx1">
-                    <a:lumMod val="75000"/>
-                    <a:lumOff val="25000"/>
-                  </a:schemeClr>
-                </a:solidFill>
-              </a:rPr>
-              <a:t>ハンズフリー通話</a:t>
-            </a:r>
-            <a:endParaRPr kumimoji="1" lang="ja-JP" altLang="en-US" dirty="0">
-              <a:solidFill>
-                <a:schemeClr val="tx1">
-                  <a:lumMod val="75000"/>
-                  <a:lumOff val="25000"/>
-                </a:schemeClr>
-              </a:solidFill>
-            </a:endParaRPr>
-          </a:p>
-        </p:txBody>
-      </p:sp>
-      <p:sp>
-        <p:nvSpPr>
-          <p:cNvPr id="26" name="テキスト ボックス 25"/>
-          <p:cNvSpPr txBox="1"/>
-          <p:nvPr/>
-        </p:nvSpPr>
-        <p:spPr>
-          <a:xfrm>
-            <a:off x="1700808" y="4499992"/>
-            <a:ext cx="4248472" cy="936104"/>
-          </a:xfrm>
-          <a:prstGeom prst="rect">
-            <a:avLst/>
-          </a:prstGeom>
-          <a:noFill/>
-        </p:spPr>
-        <p:txBody>
-          <a:bodyPr wrap="square" rtlCol="0">
-            <a:spAutoFit/>
-          </a:bodyPr>
-          <a:lstStyle/>
-          <a:p>
-            <a:pPr algn="ctr"/>
-            <a:r>
-              <a:rPr lang="ja-JP" altLang="ja-JP" sz="1600" dirty="0">
-                <a:solidFill>
-                  <a:schemeClr val="tx1">
-                    <a:lumMod val="75000"/>
-                    <a:lumOff val="25000"/>
-                  </a:schemeClr>
-                </a:solidFill>
-              </a:rPr>
-              <a:t>導入するためには，その技術を</a:t>
-            </a:r>
-            <a:r>
-              <a:rPr lang="ja-JP" altLang="ja-JP" sz="1600" dirty="0" smtClean="0">
-                <a:solidFill>
-                  <a:schemeClr val="tx1">
-                    <a:lumMod val="75000"/>
-                    <a:lumOff val="25000"/>
-                  </a:schemeClr>
-                </a:solidFill>
-              </a:rPr>
-              <a:t>採用</a:t>
-            </a:r>
-            <a:endParaRPr lang="en-US" altLang="ja-JP" sz="1600" dirty="0" smtClean="0">
-              <a:solidFill>
-                <a:schemeClr val="tx1">
-                  <a:lumMod val="75000"/>
-                  <a:lumOff val="25000"/>
-                </a:schemeClr>
-              </a:solidFill>
-            </a:endParaRPr>
-          </a:p>
-          <a:p>
-            <a:pPr algn="ctr"/>
-            <a:r>
-              <a:rPr lang="ja-JP" altLang="ja-JP" sz="1600" dirty="0" smtClean="0">
-                <a:solidFill>
-                  <a:schemeClr val="tx1">
-                    <a:lumMod val="75000"/>
-                    <a:lumOff val="25000"/>
-                  </a:schemeClr>
-                </a:solidFill>
-              </a:rPr>
-              <a:t>して</a:t>
-            </a:r>
-            <a:r>
-              <a:rPr lang="ja-JP" altLang="ja-JP" sz="1600" dirty="0">
-                <a:solidFill>
-                  <a:schemeClr val="tx1">
-                    <a:lumMod val="75000"/>
-                    <a:lumOff val="25000"/>
-                  </a:schemeClr>
-                </a:solidFill>
-              </a:rPr>
-              <a:t>いる</a:t>
-            </a:r>
-            <a:r>
-              <a:rPr lang="ja-JP" altLang="ja-JP" dirty="0">
-                <a:solidFill>
-                  <a:schemeClr val="tx1">
-                    <a:lumMod val="75000"/>
-                    <a:lumOff val="25000"/>
-                  </a:schemeClr>
-                </a:solidFill>
-              </a:rPr>
-              <a:t>メーカーの</a:t>
-            </a:r>
-            <a:r>
-              <a:rPr lang="ja-JP" altLang="ja-JP" dirty="0" smtClean="0">
-                <a:solidFill>
-                  <a:schemeClr val="tx1">
-                    <a:lumMod val="75000"/>
-                    <a:lumOff val="25000"/>
-                  </a:schemeClr>
-                </a:solidFill>
-              </a:rPr>
-              <a:t>新車</a:t>
-            </a:r>
-            <a:r>
-              <a:rPr lang="ja-JP" altLang="en-US" sz="1600" dirty="0" smtClean="0">
-                <a:solidFill>
-                  <a:schemeClr val="tx1">
-                    <a:lumMod val="75000"/>
-                    <a:lumOff val="25000"/>
-                  </a:schemeClr>
-                </a:solidFill>
-              </a:rPr>
-              <a:t>や</a:t>
-            </a:r>
-            <a:r>
-              <a:rPr lang="ja-JP" altLang="en-US" dirty="0" smtClean="0">
-                <a:solidFill>
-                  <a:schemeClr val="tx1">
-                    <a:lumMod val="75000"/>
-                    <a:lumOff val="25000"/>
-                  </a:schemeClr>
-                </a:solidFill>
-              </a:rPr>
-              <a:t>専用端末</a:t>
-            </a:r>
-            <a:r>
-              <a:rPr lang="ja-JP" altLang="ja-JP" sz="1600" dirty="0" smtClean="0">
-                <a:solidFill>
-                  <a:schemeClr val="tx1">
-                    <a:lumMod val="75000"/>
-                    <a:lumOff val="25000"/>
-                  </a:schemeClr>
-                </a:solidFill>
-              </a:rPr>
-              <a:t>を</a:t>
-            </a:r>
-            <a:endParaRPr lang="en-US" altLang="ja-JP" sz="1600" dirty="0" smtClean="0">
-              <a:solidFill>
-                <a:schemeClr val="tx1">
-                  <a:lumMod val="75000"/>
-                  <a:lumOff val="25000"/>
-                </a:schemeClr>
-              </a:solidFill>
-            </a:endParaRPr>
-          </a:p>
-          <a:p>
-            <a:pPr algn="ctr"/>
-            <a:r>
-              <a:rPr lang="ja-JP" altLang="ja-JP" sz="1600" dirty="0" smtClean="0">
-                <a:solidFill>
-                  <a:schemeClr val="tx1">
-                    <a:lumMod val="75000"/>
-                    <a:lumOff val="25000"/>
-                  </a:schemeClr>
-                </a:solidFill>
-              </a:rPr>
-              <a:t>購入</a:t>
-            </a:r>
-            <a:r>
-              <a:rPr lang="ja-JP" altLang="ja-JP" sz="1600" dirty="0">
-                <a:solidFill>
-                  <a:schemeClr val="tx1">
-                    <a:lumMod val="75000"/>
-                    <a:lumOff val="25000"/>
-                  </a:schemeClr>
-                </a:solidFill>
-              </a:rPr>
-              <a:t>するしかないという</a:t>
-            </a:r>
-            <a:r>
-              <a:rPr lang="ja-JP" altLang="ja-JP" sz="2000" dirty="0">
-                <a:solidFill>
-                  <a:schemeClr val="tx1">
-                    <a:lumMod val="75000"/>
-                    <a:lumOff val="25000"/>
-                  </a:schemeClr>
-                </a:solidFill>
-              </a:rPr>
-              <a:t>欠点</a:t>
-            </a:r>
-            <a:r>
-              <a:rPr lang="ja-JP" altLang="ja-JP" sz="1600" dirty="0">
-                <a:solidFill>
-                  <a:schemeClr val="tx1">
-                    <a:lumMod val="75000"/>
-                    <a:lumOff val="25000"/>
-                  </a:schemeClr>
-                </a:solidFill>
-              </a:rPr>
-              <a:t>があった．</a:t>
-            </a:r>
-            <a:endParaRPr kumimoji="1" lang="ja-JP" altLang="en-US" sz="1600" dirty="0">
-              <a:solidFill>
-                <a:schemeClr val="tx1">
-                  <a:lumMod val="75000"/>
-                  <a:lumOff val="25000"/>
-                </a:schemeClr>
-              </a:solidFill>
-            </a:endParaRPr>
-          </a:p>
-        </p:txBody>
-      </p:sp>
-      <p:sp>
-        <p:nvSpPr>
-          <p:cNvPr id="28" name="円/楕円 27"/>
-          <p:cNvSpPr/>
-          <p:nvPr/>
-        </p:nvSpPr>
-        <p:spPr>
-          <a:xfrm>
-            <a:off x="908720" y="5724128"/>
-            <a:ext cx="5760640" cy="1368152"/>
-          </a:xfrm>
-          <a:prstGeom prst="ellipse">
-            <a:avLst/>
-          </a:prstGeom>
-          <a:solidFill>
-            <a:schemeClr val="accent1">
-              <a:lumMod val="40000"/>
-              <a:lumOff val="60000"/>
-            </a:schemeClr>
-          </a:solidFill>
-          <a:ln>
-            <a:solidFill>
-              <a:schemeClr val="bg2">
-                <a:lumMod val="50000"/>
-              </a:schemeClr>
-            </a:solidFill>
-          </a:ln>
-        </p:spPr>
-        <p:style>
-          <a:lnRef idx="2">
-            <a:schemeClr val="accent1">
-              <a:shade val="50000"/>
-            </a:schemeClr>
-          </a:lnRef>
-          <a:fillRef idx="1">
-            <a:schemeClr val="accent1"/>
-          </a:fillRef>
-          <a:effectRef idx="0">
-            <a:schemeClr val="accent1"/>
-          </a:effectRef>
-          <a:fontRef idx="minor">
-            <a:schemeClr val="lt1"/>
-          </a:fontRef>
-        </p:style>
-        <p:txBody>
-          <a:bodyPr rtlCol="0" anchor="ctr"/>
-          <a:lstStyle/>
-          <a:p>
-            <a:pPr algn="ctr"/>
-            <a:endParaRPr kumimoji="1" lang="ja-JP" altLang="en-US"/>
-          </a:p>
-        </p:txBody>
-      </p:sp>
-      <p:sp>
-        <p:nvSpPr>
           <p:cNvPr id="29" name="テキスト ボックス 28"/>
           <p:cNvSpPr txBox="1"/>
           <p:nvPr/>
@@ -5315,105 +5224,6 @@
                 </a:solidFill>
               </a:rPr>
               <a:t>しよう！</a:t>
-            </a:r>
-            <a:endParaRPr kumimoji="1" lang="ja-JP" altLang="en-US" sz="2000" dirty="0">
-              <a:solidFill>
-                <a:schemeClr val="tx1">
-                  <a:lumMod val="75000"/>
-                  <a:lumOff val="25000"/>
-                </a:schemeClr>
-              </a:solidFill>
-            </a:endParaRPr>
-          </a:p>
-        </p:txBody>
-      </p:sp>
-      <p:sp>
-        <p:nvSpPr>
-          <p:cNvPr id="31" name="正方形/長方形 30"/>
-          <p:cNvSpPr/>
-          <p:nvPr/>
-        </p:nvSpPr>
-        <p:spPr>
-          <a:xfrm>
-            <a:off x="476672" y="5652120"/>
-            <a:ext cx="1080120" cy="360040"/>
-          </a:xfrm>
-          <a:prstGeom prst="rect">
-            <a:avLst/>
-          </a:prstGeom>
-          <a:solidFill>
-            <a:schemeClr val="accent5">
-              <a:lumMod val="20000"/>
-              <a:lumOff val="80000"/>
-            </a:schemeClr>
-          </a:solidFill>
-          <a:ln>
-            <a:solidFill>
-              <a:schemeClr val="accent6">
-                <a:lumMod val="60000"/>
-                <a:lumOff val="40000"/>
-              </a:schemeClr>
-            </a:solidFill>
-          </a:ln>
-        </p:spPr>
-        <p:style>
-          <a:lnRef idx="2">
-            <a:schemeClr val="accent1">
-              <a:shade val="50000"/>
-            </a:schemeClr>
-          </a:lnRef>
-          <a:fillRef idx="1">
-            <a:schemeClr val="accent1"/>
-          </a:fillRef>
-          <a:effectRef idx="0">
-            <a:schemeClr val="accent1"/>
-          </a:effectRef>
-          <a:fontRef idx="minor">
-            <a:schemeClr val="lt1"/>
-          </a:fontRef>
-        </p:style>
-        <p:txBody>
-          <a:bodyPr rtlCol="0" anchor="ctr"/>
-          <a:lstStyle/>
-          <a:p>
-            <a:pPr algn="ctr"/>
-            <a:endParaRPr kumimoji="1" lang="ja-JP" altLang="en-US"/>
-          </a:p>
-        </p:txBody>
-      </p:sp>
-      <p:sp>
-        <p:nvSpPr>
-          <p:cNvPr id="30" name="テキスト ボックス 29"/>
-          <p:cNvSpPr txBox="1"/>
-          <p:nvPr/>
-        </p:nvSpPr>
-        <p:spPr>
-          <a:xfrm>
-            <a:off x="548680" y="5652120"/>
-            <a:ext cx="936104" cy="400110"/>
-          </a:xfrm>
-          <a:prstGeom prst="rect">
-            <a:avLst/>
-          </a:prstGeom>
-          <a:noFill/>
-        </p:spPr>
-        <p:txBody>
-          <a:bodyPr wrap="square" rtlCol="0">
-            <a:spAutoFit/>
-          </a:bodyPr>
-          <a:lstStyle/>
-          <a:p>
-            <a:pPr algn="ctr"/>
-            <a:r>
-              <a:rPr kumimoji="1" lang="ja-JP" altLang="en-US" sz="2000" dirty="0" smtClean="0">
-                <a:solidFill>
-                  <a:schemeClr val="tx1">
-                    <a:lumMod val="75000"/>
-                    <a:lumOff val="25000"/>
-                  </a:schemeClr>
-                </a:solidFill>
-              </a:rPr>
-              <a:t>目的</a:t>
             </a:r>
             <a:endParaRPr kumimoji="1" lang="ja-JP" altLang="en-US" sz="2000" dirty="0">
               <a:solidFill>
@@ -5566,8 +5376,8 @@
         </p:nvSpPr>
         <p:spPr>
           <a:xfrm>
-            <a:off x="692696" y="7524328"/>
-            <a:ext cx="6048672" cy="1440160"/>
+            <a:off x="692696" y="7452320"/>
+            <a:ext cx="6048672" cy="1512168"/>
           </a:xfrm>
           <a:prstGeom prst="roundRect">
             <a:avLst/>
@@ -5608,29 +5418,413 @@
       </p:sp>
       <p:sp>
         <p:nvSpPr>
-          <p:cNvPr id="37" name="正方形/長方形 36"/>
-          <p:cNvSpPr/>
+          <p:cNvPr id="38" name="テキスト ボックス 37"/>
+          <p:cNvSpPr txBox="1"/>
           <p:nvPr/>
         </p:nvSpPr>
         <p:spPr>
           <a:xfrm>
-            <a:off x="404664" y="7236296"/>
-            <a:ext cx="1440160" cy="360040"/>
+            <a:off x="764704" y="7668344"/>
+            <a:ext cx="3168352" cy="338554"/>
           </a:xfrm>
           <a:prstGeom prst="rect">
             <a:avLst/>
           </a:prstGeom>
+          <a:noFill/>
+        </p:spPr>
+        <p:txBody>
+          <a:bodyPr wrap="square" rtlCol="0">
+            <a:spAutoFit/>
+          </a:bodyPr>
+          <a:lstStyle/>
+          <a:p>
+            <a:r>
+              <a:rPr kumimoji="1" lang="ja-JP" altLang="en-US" sz="1600" dirty="0" smtClean="0">
+                <a:solidFill>
+                  <a:schemeClr val="tx1">
+                    <a:lumMod val="75000"/>
+                    <a:lumOff val="25000"/>
+                  </a:schemeClr>
+                </a:solidFill>
+              </a:rPr>
+              <a:t>①スマートデバイスを利用する</a:t>
+            </a:r>
+            <a:endParaRPr kumimoji="1" lang="ja-JP" altLang="en-US" sz="1600" dirty="0">
+              <a:solidFill>
+                <a:schemeClr val="tx1">
+                  <a:lumMod val="75000"/>
+                  <a:lumOff val="25000"/>
+                </a:schemeClr>
+              </a:solidFill>
+            </a:endParaRPr>
+          </a:p>
+        </p:txBody>
+      </p:sp>
+      <p:sp>
+        <p:nvSpPr>
+          <p:cNvPr id="39" name="テキスト ボックス 38"/>
+          <p:cNvSpPr txBox="1"/>
+          <p:nvPr/>
+        </p:nvSpPr>
+        <p:spPr>
+          <a:xfrm>
+            <a:off x="4382344" y="7668344"/>
+            <a:ext cx="2475656" cy="338554"/>
+          </a:xfrm>
+          <a:prstGeom prst="rect">
+            <a:avLst/>
+          </a:prstGeom>
+          <a:noFill/>
+        </p:spPr>
+        <p:txBody>
+          <a:bodyPr wrap="square" rtlCol="0">
+            <a:spAutoFit/>
+          </a:bodyPr>
+          <a:lstStyle/>
+          <a:p>
+            <a:r>
+              <a:rPr lang="ja-JP" altLang="en-US" sz="1600" dirty="0" smtClean="0">
+                <a:solidFill>
+                  <a:schemeClr val="tx1">
+                    <a:lumMod val="75000"/>
+                    <a:lumOff val="25000"/>
+                  </a:schemeClr>
+                </a:solidFill>
+              </a:rPr>
+              <a:t>②</a:t>
+            </a:r>
+            <a:r>
+              <a:rPr lang="en-US" altLang="ja-JP" sz="1600" b="1" dirty="0" smtClean="0">
+                <a:solidFill>
+                  <a:schemeClr val="tx1">
+                    <a:lumMod val="75000"/>
+                    <a:lumOff val="25000"/>
+                  </a:schemeClr>
+                </a:solidFill>
+              </a:rPr>
+              <a:t>SNS</a:t>
+            </a:r>
+            <a:r>
+              <a:rPr lang="ja-JP" altLang="en-US" sz="1600" dirty="0">
+                <a:solidFill>
+                  <a:schemeClr val="tx1">
+                    <a:lumMod val="75000"/>
+                    <a:lumOff val="25000"/>
+                  </a:schemeClr>
+                </a:solidFill>
+              </a:rPr>
+              <a:t>と連携する</a:t>
+            </a:r>
+            <a:endParaRPr kumimoji="1" lang="ja-JP" altLang="en-US" sz="1600" dirty="0">
+              <a:solidFill>
+                <a:schemeClr val="tx1">
+                  <a:lumMod val="75000"/>
+                  <a:lumOff val="25000"/>
+                </a:schemeClr>
+              </a:solidFill>
+            </a:endParaRPr>
+          </a:p>
+        </p:txBody>
+      </p:sp>
+      <p:sp>
+        <p:nvSpPr>
+          <p:cNvPr id="40" name="テキスト ボックス 39"/>
+          <p:cNvSpPr txBox="1"/>
+          <p:nvPr/>
+        </p:nvSpPr>
+        <p:spPr>
+          <a:xfrm>
+            <a:off x="764704" y="8100392"/>
+            <a:ext cx="3384376" cy="369332"/>
+          </a:xfrm>
+          <a:prstGeom prst="rect">
+            <a:avLst/>
+          </a:prstGeom>
+          <a:noFill/>
+        </p:spPr>
+        <p:txBody>
+          <a:bodyPr wrap="square" rtlCol="0">
+            <a:spAutoFit/>
+          </a:bodyPr>
+          <a:lstStyle/>
+          <a:p>
+            <a:r>
+              <a:rPr kumimoji="1" lang="ja-JP" altLang="en-US" b="1" dirty="0" smtClean="0">
+                <a:solidFill>
+                  <a:schemeClr val="tx1">
+                    <a:lumMod val="75000"/>
+                    <a:lumOff val="25000"/>
+                  </a:schemeClr>
+                </a:solidFill>
+              </a:rPr>
+              <a:t>・</a:t>
+            </a:r>
+            <a:r>
+              <a:rPr kumimoji="1" lang="en-US" altLang="ja-JP" b="1" dirty="0" smtClean="0">
+                <a:solidFill>
+                  <a:schemeClr val="tx1">
+                    <a:lumMod val="75000"/>
+                    <a:lumOff val="25000"/>
+                  </a:schemeClr>
+                </a:solidFill>
+              </a:rPr>
+              <a:t>GPS</a:t>
+            </a:r>
+            <a:r>
+              <a:rPr kumimoji="1" lang="ja-JP" altLang="en-US" dirty="0" smtClean="0">
+                <a:solidFill>
+                  <a:schemeClr val="tx1">
+                    <a:lumMod val="75000"/>
+                    <a:lumOff val="25000"/>
+                  </a:schemeClr>
+                </a:solidFill>
+              </a:rPr>
+              <a:t>や加速度センサーが</a:t>
+            </a:r>
+            <a:r>
+              <a:rPr kumimoji="1" lang="ja-JP" altLang="en-US" dirty="0" smtClean="0">
+                <a:solidFill>
+                  <a:schemeClr val="tx1">
+                    <a:lumMod val="75000"/>
+                    <a:lumOff val="25000"/>
+                  </a:schemeClr>
+                </a:solidFill>
+              </a:rPr>
+              <a:t>ある</a:t>
+            </a:r>
+            <a:endParaRPr kumimoji="1" lang="ja-JP" altLang="en-US" dirty="0">
+              <a:solidFill>
+                <a:schemeClr val="tx1">
+                  <a:lumMod val="75000"/>
+                  <a:lumOff val="25000"/>
+                </a:schemeClr>
+              </a:solidFill>
+            </a:endParaRPr>
+          </a:p>
+        </p:txBody>
+      </p:sp>
+      <p:sp>
+        <p:nvSpPr>
+          <p:cNvPr id="42" name="テキスト ボックス 41"/>
+          <p:cNvSpPr txBox="1"/>
+          <p:nvPr/>
+        </p:nvSpPr>
+        <p:spPr>
+          <a:xfrm>
+            <a:off x="764704" y="8460432"/>
+            <a:ext cx="2664296" cy="369332"/>
+          </a:xfrm>
+          <a:prstGeom prst="rect">
+            <a:avLst/>
+          </a:prstGeom>
+          <a:noFill/>
+        </p:spPr>
+        <p:txBody>
+          <a:bodyPr wrap="square" rtlCol="0">
+            <a:spAutoFit/>
+          </a:bodyPr>
+          <a:lstStyle/>
+          <a:p>
+            <a:r>
+              <a:rPr kumimoji="1" lang="ja-JP" altLang="en-US" dirty="0" smtClean="0">
+                <a:solidFill>
+                  <a:schemeClr val="tx1">
+                    <a:lumMod val="75000"/>
+                    <a:lumOff val="25000"/>
+                  </a:schemeClr>
+                </a:solidFill>
+              </a:rPr>
+              <a:t>・通信</a:t>
+            </a:r>
+            <a:r>
+              <a:rPr kumimoji="1" lang="ja-JP" altLang="en-US" dirty="0" smtClean="0">
+                <a:solidFill>
+                  <a:schemeClr val="tx1">
+                    <a:lumMod val="75000"/>
+                    <a:lumOff val="25000"/>
+                  </a:schemeClr>
+                </a:solidFill>
+              </a:rPr>
+              <a:t>ができる</a:t>
+            </a:r>
+            <a:endParaRPr kumimoji="1" lang="ja-JP" altLang="en-US" dirty="0">
+              <a:solidFill>
+                <a:schemeClr val="tx1">
+                  <a:lumMod val="75000"/>
+                  <a:lumOff val="25000"/>
+                </a:schemeClr>
+              </a:solidFill>
+            </a:endParaRPr>
+          </a:p>
+        </p:txBody>
+      </p:sp>
+      <p:sp>
+        <p:nvSpPr>
+          <p:cNvPr id="43" name="テキスト ボックス 42"/>
+          <p:cNvSpPr txBox="1"/>
+          <p:nvPr/>
+        </p:nvSpPr>
+        <p:spPr>
+          <a:xfrm>
+            <a:off x="4193704" y="8100392"/>
+            <a:ext cx="2907704" cy="646331"/>
+          </a:xfrm>
+          <a:prstGeom prst="rect">
+            <a:avLst/>
+          </a:prstGeom>
+          <a:noFill/>
+        </p:spPr>
+        <p:txBody>
+          <a:bodyPr wrap="square" rtlCol="0">
+            <a:spAutoFit/>
+          </a:bodyPr>
+          <a:lstStyle/>
+          <a:p>
+            <a:r>
+              <a:rPr kumimoji="1" lang="ja-JP" altLang="en-US" b="1" dirty="0" smtClean="0">
+                <a:solidFill>
+                  <a:schemeClr val="tx1">
+                    <a:lumMod val="75000"/>
+                    <a:lumOff val="25000"/>
+                  </a:schemeClr>
+                </a:solidFill>
+              </a:rPr>
+              <a:t>・</a:t>
+            </a:r>
+            <a:r>
+              <a:rPr kumimoji="1" lang="en-US" altLang="ja-JP" b="1" dirty="0" smtClean="0">
+                <a:solidFill>
+                  <a:schemeClr val="tx1">
+                    <a:lumMod val="75000"/>
+                    <a:lumOff val="25000"/>
+                  </a:schemeClr>
+                </a:solidFill>
+              </a:rPr>
+              <a:t>SNS</a:t>
+            </a:r>
+            <a:r>
+              <a:rPr kumimoji="1" lang="ja-JP" altLang="en-US" dirty="0" smtClean="0">
+                <a:solidFill>
+                  <a:schemeClr val="tx1">
+                    <a:lumMod val="75000"/>
+                    <a:lumOff val="25000"/>
+                  </a:schemeClr>
+                </a:solidFill>
+              </a:rPr>
+              <a:t>を利用する</a:t>
+            </a:r>
+            <a:endParaRPr kumimoji="1" lang="en-US" altLang="ja-JP" dirty="0" smtClean="0">
+              <a:solidFill>
+                <a:schemeClr val="tx1">
+                  <a:lumMod val="75000"/>
+                  <a:lumOff val="25000"/>
+                </a:schemeClr>
+              </a:solidFill>
+            </a:endParaRPr>
+          </a:p>
+          <a:p>
+            <a:r>
+              <a:rPr lang="ja-JP" altLang="en-US" dirty="0" smtClean="0">
+                <a:solidFill>
+                  <a:schemeClr val="tx1">
+                    <a:lumMod val="75000"/>
+                    <a:lumOff val="25000"/>
+                  </a:schemeClr>
+                </a:solidFill>
+              </a:rPr>
+              <a:t>（データを</a:t>
+            </a:r>
+            <a:r>
+              <a:rPr lang="en-US" altLang="ja-JP" b="1" dirty="0" smtClean="0">
+                <a:solidFill>
+                  <a:schemeClr val="tx1">
+                    <a:lumMod val="75000"/>
+                    <a:lumOff val="25000"/>
+                  </a:schemeClr>
+                </a:solidFill>
+              </a:rPr>
+              <a:t>SNS</a:t>
+            </a:r>
+            <a:r>
+              <a:rPr lang="ja-JP" altLang="en-US" dirty="0" smtClean="0">
+                <a:solidFill>
+                  <a:schemeClr val="tx1">
+                    <a:lumMod val="75000"/>
+                    <a:lumOff val="25000"/>
+                  </a:schemeClr>
+                </a:solidFill>
+              </a:rPr>
+              <a:t>に蓄積）</a:t>
+            </a:r>
+            <a:endParaRPr kumimoji="1" lang="ja-JP" altLang="en-US" dirty="0">
+              <a:solidFill>
+                <a:schemeClr val="tx1">
+                  <a:lumMod val="75000"/>
+                  <a:lumOff val="25000"/>
+                </a:schemeClr>
+              </a:solidFill>
+            </a:endParaRPr>
+          </a:p>
+        </p:txBody>
+      </p:sp>
+      <p:pic>
+        <p:nvPicPr>
+          <p:cNvPr id="44" name="図 43" descr="http://www.subaru.jp/eyesight/function/img/img_0_0.jpg"/>
+          <p:cNvPicPr/>
+          <p:nvPr/>
+        </p:nvPicPr>
+        <p:blipFill>
+          <a:blip r:embed="rId3" cstate="print"/>
+          <a:srcRect/>
+          <a:stretch>
+            <a:fillRect/>
+          </a:stretch>
+        </p:blipFill>
+        <p:spPr bwMode="auto">
+          <a:xfrm>
+            <a:off x="908720" y="3203848"/>
+            <a:ext cx="1872208" cy="1152128"/>
+          </a:xfrm>
+          <a:prstGeom prst="rect">
+            <a:avLst/>
+          </a:prstGeom>
+          <a:noFill/>
+          <a:ln w="9525">
+            <a:noFill/>
+            <a:miter lim="800000"/>
+            <a:headEnd/>
+            <a:tailEnd/>
+          </a:ln>
+        </p:spPr>
+      </p:pic>
+      <p:sp>
+        <p:nvSpPr>
+          <p:cNvPr id="22" name="下矢印 21"/>
+          <p:cNvSpPr/>
+          <p:nvPr/>
+        </p:nvSpPr>
+        <p:spPr>
+          <a:xfrm>
+            <a:off x="2780928" y="3635896"/>
+            <a:ext cx="1656184" cy="864096"/>
+          </a:xfrm>
+          <a:prstGeom prst="downArrow">
+            <a:avLst>
+              <a:gd name="adj1" fmla="val 50000"/>
+              <a:gd name="adj2" fmla="val 48769"/>
+            </a:avLst>
+          </a:prstGeom>
           <a:solidFill>
-            <a:schemeClr val="accent5">
-              <a:lumMod val="20000"/>
-              <a:lumOff val="80000"/>
+            <a:schemeClr val="tx2">
+              <a:lumMod val="40000"/>
+              <a:lumOff val="60000"/>
             </a:schemeClr>
           </a:solidFill>
           <a:ln>
             <a:solidFill>
-              <a:schemeClr val="accent6">
-                <a:lumMod val="60000"/>
-                <a:lumOff val="40000"/>
+              <a:schemeClr val="tx1">
+                <a:lumMod val="75000"/>
+                <a:lumOff val="25000"/>
               </a:schemeClr>
             </a:solidFill>
           </a:ln>
@@ -5660,442 +5854,6 @@
           </a:p>
         </p:txBody>
       </p:sp>
-      <p:sp>
-        <p:nvSpPr>
-          <p:cNvPr id="38" name="テキスト ボックス 37"/>
-          <p:cNvSpPr txBox="1"/>
-          <p:nvPr/>
-        </p:nvSpPr>
-        <p:spPr>
-          <a:xfrm>
-            <a:off x="764704" y="7668344"/>
-            <a:ext cx="3168352" cy="338554"/>
-          </a:xfrm>
-          <a:prstGeom prst="rect">
-            <a:avLst/>
-          </a:prstGeom>
-          <a:noFill/>
-        </p:spPr>
-        <p:txBody>
-          <a:bodyPr wrap="square" rtlCol="0">
-            <a:spAutoFit/>
-          </a:bodyPr>
-          <a:lstStyle/>
-          <a:p>
-            <a:r>
-              <a:rPr kumimoji="1" lang="ja-JP" altLang="en-US" sz="1600" dirty="0" smtClean="0">
-                <a:solidFill>
-                  <a:schemeClr val="tx1">
-                    <a:lumMod val="75000"/>
-                    <a:lumOff val="25000"/>
-                  </a:schemeClr>
-                </a:solidFill>
-              </a:rPr>
-              <a:t>①スマートデバイスを利用する</a:t>
-            </a:r>
-            <a:endParaRPr kumimoji="1" lang="ja-JP" altLang="en-US" sz="1600" dirty="0">
-              <a:solidFill>
-                <a:schemeClr val="tx1">
-                  <a:lumMod val="75000"/>
-                  <a:lumOff val="25000"/>
-                </a:schemeClr>
-              </a:solidFill>
-            </a:endParaRPr>
-          </a:p>
-        </p:txBody>
-      </p:sp>
-      <p:sp>
-        <p:nvSpPr>
-          <p:cNvPr id="39" name="テキスト ボックス 38"/>
-          <p:cNvSpPr txBox="1"/>
-          <p:nvPr/>
-        </p:nvSpPr>
-        <p:spPr>
-          <a:xfrm>
-            <a:off x="4382344" y="7668344"/>
-            <a:ext cx="2475656" cy="338554"/>
-          </a:xfrm>
-          <a:prstGeom prst="rect">
-            <a:avLst/>
-          </a:prstGeom>
-          <a:noFill/>
-        </p:spPr>
-        <p:txBody>
-          <a:bodyPr wrap="square" rtlCol="0">
-            <a:spAutoFit/>
-          </a:bodyPr>
-          <a:lstStyle/>
-          <a:p>
-            <a:r>
-              <a:rPr lang="ja-JP" altLang="en-US" sz="1600" dirty="0" smtClean="0">
-                <a:solidFill>
-                  <a:schemeClr val="tx1">
-                    <a:lumMod val="75000"/>
-                    <a:lumOff val="25000"/>
-                  </a:schemeClr>
-                </a:solidFill>
-              </a:rPr>
-              <a:t>②</a:t>
-            </a:r>
-            <a:r>
-              <a:rPr lang="en-US" altLang="ja-JP" sz="1600" dirty="0" smtClean="0">
-                <a:solidFill>
-                  <a:schemeClr val="tx1">
-                    <a:lumMod val="75000"/>
-                    <a:lumOff val="25000"/>
-                  </a:schemeClr>
-                </a:solidFill>
-              </a:rPr>
-              <a:t>SNS</a:t>
-            </a:r>
-            <a:r>
-              <a:rPr lang="ja-JP" altLang="en-US" sz="1600" dirty="0">
-                <a:solidFill>
-                  <a:schemeClr val="tx1">
-                    <a:lumMod val="75000"/>
-                    <a:lumOff val="25000"/>
-                  </a:schemeClr>
-                </a:solidFill>
-              </a:rPr>
-              <a:t>と連携する</a:t>
-            </a:r>
-            <a:endParaRPr kumimoji="1" lang="ja-JP" altLang="en-US" sz="1600" dirty="0">
-              <a:solidFill>
-                <a:schemeClr val="tx1">
-                  <a:lumMod val="75000"/>
-                  <a:lumOff val="25000"/>
-                </a:schemeClr>
-              </a:solidFill>
-            </a:endParaRPr>
-          </a:p>
-        </p:txBody>
-      </p:sp>
-      <p:sp>
-        <p:nvSpPr>
-          <p:cNvPr id="40" name="テキスト ボックス 39"/>
-          <p:cNvSpPr txBox="1"/>
-          <p:nvPr/>
-        </p:nvSpPr>
-        <p:spPr>
-          <a:xfrm>
-            <a:off x="764704" y="8100392"/>
-            <a:ext cx="3240360" cy="369332"/>
-          </a:xfrm>
-          <a:prstGeom prst="rect">
-            <a:avLst/>
-          </a:prstGeom>
-          <a:noFill/>
-        </p:spPr>
-        <p:txBody>
-          <a:bodyPr wrap="square" rtlCol="0">
-            <a:spAutoFit/>
-          </a:bodyPr>
-          <a:lstStyle/>
-          <a:p>
-            <a:r>
-              <a:rPr kumimoji="1" lang="en-US" altLang="ja-JP" b="1" dirty="0" smtClean="0">
-                <a:solidFill>
-                  <a:schemeClr val="tx1">
-                    <a:lumMod val="75000"/>
-                    <a:lumOff val="25000"/>
-                  </a:schemeClr>
-                </a:solidFill>
-              </a:rPr>
-              <a:t>GPS</a:t>
-            </a:r>
-            <a:r>
-              <a:rPr kumimoji="1" lang="ja-JP" altLang="en-US" dirty="0" smtClean="0">
-                <a:solidFill>
-                  <a:schemeClr val="tx1">
-                    <a:lumMod val="75000"/>
-                    <a:lumOff val="25000"/>
-                  </a:schemeClr>
-                </a:solidFill>
-              </a:rPr>
-              <a:t>や加速度センサーがある</a:t>
-            </a:r>
-            <a:endParaRPr kumimoji="1" lang="ja-JP" altLang="en-US" dirty="0">
-              <a:solidFill>
-                <a:schemeClr val="tx1">
-                  <a:lumMod val="75000"/>
-                  <a:lumOff val="25000"/>
-                </a:schemeClr>
-              </a:solidFill>
-            </a:endParaRPr>
-          </a:p>
-        </p:txBody>
-      </p:sp>
-      <p:sp>
-        <p:nvSpPr>
-          <p:cNvPr id="41" name="テキスト ボックス 40"/>
-          <p:cNvSpPr txBox="1"/>
-          <p:nvPr/>
-        </p:nvSpPr>
-        <p:spPr>
-          <a:xfrm>
-            <a:off x="476672" y="7236296"/>
-            <a:ext cx="1296144" cy="369332"/>
-          </a:xfrm>
-          <a:prstGeom prst="rect">
-            <a:avLst/>
-          </a:prstGeom>
-          <a:noFill/>
-        </p:spPr>
-        <p:txBody>
-          <a:bodyPr wrap="square" rtlCol="0">
-            <a:spAutoFit/>
-          </a:bodyPr>
-          <a:lstStyle/>
-          <a:p>
-            <a:pPr algn="ctr"/>
-            <a:r>
-              <a:rPr kumimoji="1" lang="ja-JP" altLang="en-US" dirty="0" smtClean="0">
-                <a:solidFill>
-                  <a:schemeClr val="tx1">
-                    <a:lumMod val="75000"/>
-                    <a:lumOff val="25000"/>
-                  </a:schemeClr>
-                </a:solidFill>
-              </a:rPr>
-              <a:t>研究方法</a:t>
-            </a:r>
-            <a:endParaRPr kumimoji="1" lang="ja-JP" altLang="en-US" dirty="0">
-              <a:solidFill>
-                <a:schemeClr val="tx1">
-                  <a:lumMod val="75000"/>
-                  <a:lumOff val="25000"/>
-                </a:schemeClr>
-              </a:solidFill>
-            </a:endParaRPr>
-          </a:p>
-        </p:txBody>
-      </p:sp>
-      <p:sp>
-        <p:nvSpPr>
-          <p:cNvPr id="42" name="テキスト ボックス 41"/>
-          <p:cNvSpPr txBox="1"/>
-          <p:nvPr/>
-        </p:nvSpPr>
-        <p:spPr>
-          <a:xfrm>
-            <a:off x="764704" y="8460432"/>
-            <a:ext cx="2664296" cy="369332"/>
-          </a:xfrm>
-          <a:prstGeom prst="rect">
-            <a:avLst/>
-          </a:prstGeom>
-          <a:noFill/>
-        </p:spPr>
-        <p:txBody>
-          <a:bodyPr wrap="square" rtlCol="0">
-            <a:spAutoFit/>
-          </a:bodyPr>
-          <a:lstStyle/>
-          <a:p>
-            <a:r>
-              <a:rPr kumimoji="1" lang="ja-JP" altLang="en-US" dirty="0" smtClean="0">
-                <a:solidFill>
-                  <a:schemeClr val="tx1">
-                    <a:lumMod val="75000"/>
-                    <a:lumOff val="25000"/>
-                  </a:schemeClr>
-                </a:solidFill>
-              </a:rPr>
-              <a:t>通信ができる</a:t>
-            </a:r>
-            <a:endParaRPr kumimoji="1" lang="ja-JP" altLang="en-US" dirty="0">
-              <a:solidFill>
-                <a:schemeClr val="tx1">
-                  <a:lumMod val="75000"/>
-                  <a:lumOff val="25000"/>
-                </a:schemeClr>
-              </a:solidFill>
-            </a:endParaRPr>
-          </a:p>
-        </p:txBody>
-      </p:sp>
-      <p:sp>
-        <p:nvSpPr>
-          <p:cNvPr id="43" name="テキスト ボックス 42"/>
-          <p:cNvSpPr txBox="1"/>
-          <p:nvPr/>
-        </p:nvSpPr>
-        <p:spPr>
-          <a:xfrm>
-            <a:off x="4193704" y="8100392"/>
-            <a:ext cx="2664296" cy="646331"/>
-          </a:xfrm>
-          <a:prstGeom prst="rect">
-            <a:avLst/>
-          </a:prstGeom>
-          <a:noFill/>
-        </p:spPr>
-        <p:txBody>
-          <a:bodyPr wrap="square" rtlCol="0">
-            <a:spAutoFit/>
-          </a:bodyPr>
-          <a:lstStyle/>
-          <a:p>
-            <a:r>
-              <a:rPr kumimoji="1" lang="en-US" altLang="ja-JP" b="1" dirty="0" smtClean="0">
-                <a:solidFill>
-                  <a:schemeClr val="tx1">
-                    <a:lumMod val="75000"/>
-                    <a:lumOff val="25000"/>
-                  </a:schemeClr>
-                </a:solidFill>
-              </a:rPr>
-              <a:t>SNS</a:t>
-            </a:r>
-            <a:r>
-              <a:rPr kumimoji="1" lang="ja-JP" altLang="en-US" dirty="0" smtClean="0">
-                <a:solidFill>
-                  <a:schemeClr val="tx1">
-                    <a:lumMod val="75000"/>
-                    <a:lumOff val="25000"/>
-                  </a:schemeClr>
-                </a:solidFill>
-              </a:rPr>
-              <a:t>を利用する</a:t>
-            </a:r>
-            <a:endParaRPr kumimoji="1" lang="en-US" altLang="ja-JP" dirty="0" smtClean="0">
-              <a:solidFill>
-                <a:schemeClr val="tx1">
-                  <a:lumMod val="75000"/>
-                  <a:lumOff val="25000"/>
-                </a:schemeClr>
-              </a:solidFill>
-            </a:endParaRPr>
-          </a:p>
-          <a:p>
-            <a:r>
-              <a:rPr lang="ja-JP" altLang="en-US" dirty="0" smtClean="0">
-                <a:solidFill>
-                  <a:schemeClr val="tx1">
-                    <a:lumMod val="75000"/>
-                    <a:lumOff val="25000"/>
-                  </a:schemeClr>
-                </a:solidFill>
-              </a:rPr>
-              <a:t>（データを</a:t>
-            </a:r>
-            <a:r>
-              <a:rPr lang="en-US" altLang="ja-JP" dirty="0" smtClean="0">
-                <a:solidFill>
-                  <a:schemeClr val="tx1">
-                    <a:lumMod val="75000"/>
-                    <a:lumOff val="25000"/>
-                  </a:schemeClr>
-                </a:solidFill>
-              </a:rPr>
-              <a:t>SNS</a:t>
-            </a:r>
-            <a:r>
-              <a:rPr lang="ja-JP" altLang="en-US" dirty="0" smtClean="0">
-                <a:solidFill>
-                  <a:schemeClr val="tx1">
-                    <a:lumMod val="75000"/>
-                    <a:lumOff val="25000"/>
-                  </a:schemeClr>
-                </a:solidFill>
-              </a:rPr>
-              <a:t>に蓄積）</a:t>
-            </a:r>
-            <a:endParaRPr kumimoji="1" lang="ja-JP" altLang="en-US" dirty="0">
-              <a:solidFill>
-                <a:schemeClr val="tx1">
-                  <a:lumMod val="75000"/>
-                  <a:lumOff val="25000"/>
-                </a:schemeClr>
-              </a:solidFill>
-            </a:endParaRPr>
-          </a:p>
-        </p:txBody>
-      </p:sp>
-      <p:pic>
-        <p:nvPicPr>
-          <p:cNvPr id="44" name="図 43" descr="http://www.subaru.jp/eyesight/function/img/img_0_0.jpg"/>
-          <p:cNvPicPr/>
-          <p:nvPr/>
-        </p:nvPicPr>
-        <p:blipFill>
-          <a:blip r:embed="rId3" cstate="print"/>
-          <a:srcRect/>
-          <a:stretch>
-            <a:fillRect/>
-          </a:stretch>
-        </p:blipFill>
-        <p:spPr bwMode="auto">
-          <a:xfrm>
-            <a:off x="980728" y="3203848"/>
-            <a:ext cx="1800200" cy="1080120"/>
-          </a:xfrm>
-          <a:prstGeom prst="rect">
-            <a:avLst/>
-          </a:prstGeom>
-          <a:noFill/>
-          <a:ln w="9525">
-            <a:noFill/>
-            <a:miter lim="800000"/>
-            <a:headEnd/>
-            <a:tailEnd/>
-          </a:ln>
-        </p:spPr>
-      </p:pic>
-      <p:sp>
-        <p:nvSpPr>
-          <p:cNvPr id="22" name="下矢印 21"/>
-          <p:cNvSpPr/>
-          <p:nvPr/>
-        </p:nvSpPr>
-        <p:spPr>
-          <a:xfrm>
-            <a:off x="2564904" y="3851920"/>
-            <a:ext cx="1872208" cy="648072"/>
-          </a:xfrm>
-          <a:prstGeom prst="downArrow">
-            <a:avLst/>
-          </a:prstGeom>
-          <a:solidFill>
-            <a:schemeClr val="tx2">
-              <a:lumMod val="40000"/>
-              <a:lumOff val="60000"/>
-            </a:schemeClr>
-          </a:solidFill>
-          <a:ln>
-            <a:solidFill>
-              <a:schemeClr val="tx1">
-                <a:lumMod val="75000"/>
-                <a:lumOff val="25000"/>
-              </a:schemeClr>
-            </a:solidFill>
-          </a:ln>
-        </p:spPr>
-        <p:style>
-          <a:lnRef idx="2">
-            <a:schemeClr val="accent1">
-              <a:shade val="50000"/>
-            </a:schemeClr>
-          </a:lnRef>
-          <a:fillRef idx="1">
-            <a:schemeClr val="accent1"/>
-          </a:fillRef>
-          <a:effectRef idx="0">
-            <a:schemeClr val="accent1"/>
-          </a:effectRef>
-          <a:fontRef idx="minor">
-            <a:schemeClr val="lt1"/>
-          </a:fontRef>
-        </p:style>
-        <p:txBody>
-          <a:bodyPr rtlCol="0" anchor="ctr"/>
-          <a:lstStyle/>
-          <a:p>
-            <a:pPr algn="ctr"/>
-            <a:endParaRPr kumimoji="1" lang="ja-JP" altLang="en-US"/>
-          </a:p>
-        </p:txBody>
-      </p:sp>
       <p:pic>
         <p:nvPicPr>
           <p:cNvPr id="45" name="図 44" descr="20130604arhud1.jpg"/>
@@ -6111,8 +5869,8 @@
         </p:blipFill>
         <p:spPr bwMode="auto">
           <a:xfrm>
-            <a:off x="4365104" y="3203848"/>
-            <a:ext cx="2232248" cy="1080120"/>
+            <a:off x="4437112" y="3203848"/>
+            <a:ext cx="2232248" cy="1152128"/>
           </a:xfrm>
           <a:prstGeom prst="rect">
             <a:avLst/>
@@ -6126,6 +5884,180 @@
           </a:ln>
         </p:spPr>
       </p:pic>
+      <p:sp>
+        <p:nvSpPr>
+          <p:cNvPr id="48" name="テキスト ボックス 47"/>
+          <p:cNvSpPr txBox="1"/>
+          <p:nvPr/>
+        </p:nvSpPr>
+        <p:spPr>
+          <a:xfrm>
+            <a:off x="476672" y="1115616"/>
+            <a:ext cx="1008112" cy="400110"/>
+          </a:xfrm>
+          <a:prstGeom prst="rect">
+            <a:avLst/>
+          </a:prstGeom>
+          <a:solidFill>
+            <a:schemeClr val="accent5">
+              <a:lumMod val="20000"/>
+              <a:lumOff val="80000"/>
+            </a:schemeClr>
+          </a:solidFill>
+          <a:ln w="28575">
+            <a:solidFill>
+              <a:schemeClr val="accent6">
+                <a:lumMod val="60000"/>
+                <a:lumOff val="40000"/>
+              </a:schemeClr>
+            </a:solidFill>
+          </a:ln>
+        </p:spPr>
+        <p:txBody>
+          <a:bodyPr wrap="square" rtlCol="0">
+            <a:spAutoFit/>
+          </a:bodyPr>
+          <a:lstStyle/>
+          <a:p>
+            <a:pPr algn="ctr"/>
+            <a:r>
+              <a:rPr kumimoji="1" lang="ja-JP" altLang="en-US" sz="2000" dirty="0" smtClean="0">
+                <a:solidFill>
+                  <a:schemeClr val="tx1">
+                    <a:lumMod val="75000"/>
+                    <a:lumOff val="25000"/>
+                  </a:schemeClr>
+                </a:solidFill>
+              </a:rPr>
+              <a:t>背景</a:t>
+            </a:r>
+            <a:endParaRPr kumimoji="1" lang="ja-JP" altLang="en-US" sz="2000" dirty="0">
+              <a:solidFill>
+                <a:schemeClr val="tx1">
+                  <a:lumMod val="75000"/>
+                  <a:lumOff val="25000"/>
+                </a:schemeClr>
+              </a:solidFill>
+            </a:endParaRPr>
+          </a:p>
+        </p:txBody>
+      </p:sp>
+      <p:sp>
+        <p:nvSpPr>
+          <p:cNvPr id="49" name="テキスト ボックス 48"/>
+          <p:cNvSpPr txBox="1"/>
+          <p:nvPr/>
+        </p:nvSpPr>
+        <p:spPr>
+          <a:xfrm>
+            <a:off x="476672" y="5652120"/>
+            <a:ext cx="1008112" cy="400110"/>
+          </a:xfrm>
+          <a:prstGeom prst="rect">
+            <a:avLst/>
+          </a:prstGeom>
+          <a:solidFill>
+            <a:schemeClr val="accent5">
+              <a:lumMod val="20000"/>
+              <a:lumOff val="80000"/>
+            </a:schemeClr>
+          </a:solidFill>
+          <a:ln w="28575">
+            <a:solidFill>
+              <a:schemeClr val="accent6">
+                <a:lumMod val="60000"/>
+                <a:lumOff val="40000"/>
+              </a:schemeClr>
+            </a:solidFill>
+          </a:ln>
+        </p:spPr>
+        <p:txBody>
+          <a:bodyPr wrap="square" rtlCol="0">
+            <a:spAutoFit/>
+          </a:bodyPr>
+          <a:lstStyle/>
+          <a:p>
+            <a:pPr algn="ctr"/>
+            <a:r>
+              <a:rPr kumimoji="1" lang="ja-JP" altLang="en-US" sz="2000" dirty="0" smtClean="0">
+                <a:solidFill>
+                  <a:schemeClr val="tx1">
+                    <a:lumMod val="75000"/>
+                    <a:lumOff val="25000"/>
+                  </a:schemeClr>
+                </a:solidFill>
+              </a:rPr>
+              <a:t>目的</a:t>
+            </a:r>
+            <a:endParaRPr kumimoji="1" lang="ja-JP" altLang="en-US" sz="2000" dirty="0">
+              <a:solidFill>
+                <a:schemeClr val="tx1">
+                  <a:lumMod val="75000"/>
+                  <a:lumOff val="25000"/>
+                </a:schemeClr>
+              </a:solidFill>
+            </a:endParaRPr>
+          </a:p>
+        </p:txBody>
+      </p:sp>
+      <p:sp>
+        <p:nvSpPr>
+          <p:cNvPr id="50" name="テキスト ボックス 49"/>
+          <p:cNvSpPr txBox="1"/>
+          <p:nvPr/>
+        </p:nvSpPr>
+        <p:spPr>
+          <a:xfrm>
+            <a:off x="476672" y="7164288"/>
+            <a:ext cx="1440160" cy="400110"/>
+          </a:xfrm>
+          <a:prstGeom prst="rect">
+            <a:avLst/>
+          </a:prstGeom>
+          <a:solidFill>
+            <a:schemeClr val="accent5">
+              <a:lumMod val="20000"/>
+              <a:lumOff val="80000"/>
+            </a:schemeClr>
+          </a:solidFill>
+          <a:ln w="28575">
+            <a:solidFill>
+              <a:schemeClr val="accent6">
+                <a:lumMod val="60000"/>
+                <a:lumOff val="40000"/>
+              </a:schemeClr>
+            </a:solidFill>
+          </a:ln>
+        </p:spPr>
+        <p:txBody>
+          <a:bodyPr wrap="square" rtlCol="0">
+            <a:spAutoFit/>
+          </a:bodyPr>
+          <a:lstStyle/>
+          <a:p>
+            <a:pPr algn="ctr"/>
+            <a:r>
+              <a:rPr kumimoji="1" lang="ja-JP" altLang="en-US" sz="2000" dirty="0" smtClean="0">
+                <a:solidFill>
+                  <a:schemeClr val="tx1">
+                    <a:lumMod val="75000"/>
+                    <a:lumOff val="25000"/>
+                  </a:schemeClr>
+                </a:solidFill>
+              </a:rPr>
+              <a:t>研究方法</a:t>
+            </a:r>
+            <a:endParaRPr kumimoji="1" lang="ja-JP" altLang="en-US" sz="2000" dirty="0">
+              <a:solidFill>
+                <a:schemeClr val="tx1">
+                  <a:lumMod val="75000"/>
+                  <a:lumOff val="25000"/>
+                </a:schemeClr>
+              </a:solidFill>
+            </a:endParaRPr>
+          </a:p>
+        </p:txBody>
+      </p:sp>
     </p:spTree>
   </p:cSld>
   <p:clrMapOvr>
@@ -6242,104 +6174,6 @@
           <a:p>
             <a:pPr algn="ctr"/>
             <a:endParaRPr kumimoji="1" lang="ja-JP" altLang="en-US"/>
-          </a:p>
-        </p:txBody>
-      </p:sp>
-      <p:sp>
-        <p:nvSpPr>
-          <p:cNvPr id="27" name="正方形/長方形 26"/>
-          <p:cNvSpPr/>
-          <p:nvPr/>
-        </p:nvSpPr>
-        <p:spPr>
-          <a:xfrm>
-            <a:off x="188640" y="2915816"/>
-            <a:ext cx="1800200" cy="360040"/>
-          </a:xfrm>
-          <a:prstGeom prst="rect">
-            <a:avLst/>
-          </a:prstGeom>
-          <a:solidFill>
-            <a:schemeClr val="accent5">
-              <a:lumMod val="20000"/>
-              <a:lumOff val="80000"/>
-            </a:schemeClr>
-          </a:solidFill>
-          <a:ln>
-            <a:solidFill>
-              <a:schemeClr val="accent6">
-                <a:lumMod val="60000"/>
-                <a:lumOff val="40000"/>
-              </a:schemeClr>
-            </a:solidFill>
-          </a:ln>
-        </p:spPr>
-        <p:style>
-          <a:lnRef idx="2">
-            <a:schemeClr val="accent1">
-              <a:shade val="50000"/>
-            </a:schemeClr>
-          </a:lnRef>
-          <a:fillRef idx="1">
-            <a:schemeClr val="accent1"/>
-          </a:fillRef>
-          <a:effectRef idx="0">
-            <a:schemeClr val="accent1"/>
-          </a:effectRef>
-          <a:fontRef idx="minor">
-            <a:schemeClr val="lt1"/>
-          </a:fontRef>
-        </p:style>
-        <p:txBody>
-          <a:bodyPr rtlCol="0" anchor="ctr"/>
-          <a:lstStyle/>
-          <a:p>
-            <a:pPr algn="ctr"/>
-            <a:endParaRPr kumimoji="1" lang="ja-JP" altLang="en-US"/>
-          </a:p>
-        </p:txBody>
-      </p:sp>
-      <p:sp>
-        <p:nvSpPr>
-          <p:cNvPr id="28" name="テキスト ボックス 27"/>
-          <p:cNvSpPr txBox="1"/>
-          <p:nvPr/>
-        </p:nvSpPr>
-        <p:spPr>
-          <a:xfrm>
-            <a:off x="188640" y="2915816"/>
-            <a:ext cx="1800200" cy="369332"/>
-          </a:xfrm>
-          <a:prstGeom prst="rect">
-            <a:avLst/>
-          </a:prstGeom>
-          <a:noFill/>
-        </p:spPr>
-        <p:txBody>
-          <a:bodyPr wrap="square" rtlCol="0">
-            <a:spAutoFit/>
-          </a:bodyPr>
-          <a:lstStyle/>
-          <a:p>
-            <a:r>
-              <a:rPr kumimoji="1" lang="ja-JP" altLang="en-US" dirty="0" smtClean="0">
-                <a:solidFill>
-                  <a:schemeClr val="tx1">
-                    <a:lumMod val="75000"/>
-                    <a:lumOff val="25000"/>
-                  </a:schemeClr>
-                </a:solidFill>
-              </a:rPr>
-              <a:t>成果物イメージ</a:t>
-            </a:r>
-            <a:endParaRPr kumimoji="1" lang="ja-JP" altLang="en-US" dirty="0">
-              <a:solidFill>
-                <a:schemeClr val="tx1">
-                  <a:lumMod val="75000"/>
-                  <a:lumOff val="25000"/>
-                </a:schemeClr>
-              </a:solidFill>
-            </a:endParaRPr>
           </a:p>
         </p:txBody>
       </p:sp>
@@ -7153,7 +6987,7 @@
         </p:nvSpPr>
         <p:spPr>
           <a:xfrm>
-            <a:off x="764704" y="395536"/>
+            <a:off x="764704" y="467544"/>
             <a:ext cx="6093296" cy="830997"/>
           </a:xfrm>
           <a:prstGeom prst="rect">
@@ -7176,18 +7010,7 @@
                   </a:schemeClr>
                 </a:solidFill>
               </a:rPr>
-              <a:t>運転中のコミュニケーションをサポートするシステムを</a:t>
-            </a:r>
-            <a:r>
-              <a:rPr lang="ja-JP" altLang="en-US" sz="1600" dirty="0" smtClean="0">
-                <a:solidFill>
-                  <a:schemeClr val="tx1">
-                    <a:lumMod val="75000"/>
-                    <a:lumOff val="25000"/>
-                  </a:schemeClr>
-                </a:solidFill>
-              </a:rPr>
-              <a:t>考案中</a:t>
+              <a:t>運転中のコミュニケーションをサポートするシステムを考案中</a:t>
             </a:r>
             <a:endParaRPr lang="en-US" altLang="ja-JP" sz="1600" dirty="0" smtClean="0">
               <a:solidFill>
@@ -7208,29 +7031,7 @@
                   </a:schemeClr>
                 </a:solidFill>
               </a:rPr>
-              <a:t>で</a:t>
-            </a:r>
-            <a:r>
-              <a:rPr lang="ja-JP" altLang="en-US" sz="1600" dirty="0" smtClean="0">
-                <a:solidFill>
-                  <a:schemeClr val="tx1">
-                    <a:lumMod val="75000"/>
-                    <a:lumOff val="25000"/>
-                  </a:schemeClr>
-                </a:solidFill>
-              </a:rPr>
-              <a:t>ある</a:t>
-            </a:r>
-            <a:r>
-              <a:rPr lang="ja-JP" altLang="en-US" sz="1600" dirty="0" smtClean="0">
-                <a:solidFill>
-                  <a:schemeClr val="tx1">
-                    <a:lumMod val="75000"/>
-                    <a:lumOff val="25000"/>
-                  </a:schemeClr>
-                </a:solidFill>
-              </a:rPr>
-              <a:t>．本システムは，車内に設置したスマートデバイスの</a:t>
+              <a:t>である．本システムは，車内に設置したスマートデバイスの</a:t>
             </a:r>
             <a:endParaRPr lang="en-US" altLang="ja-JP" sz="1600" dirty="0" smtClean="0">
               <a:solidFill>
@@ -7283,7 +7084,7 @@
         </p:blipFill>
         <p:spPr bwMode="auto">
           <a:xfrm>
-            <a:off x="1844824" y="3419872"/>
+            <a:off x="1844824" y="3491880"/>
             <a:ext cx="1296255" cy="972116"/>
           </a:xfrm>
           <a:prstGeom prst="rect">
@@ -7337,105 +7138,6 @@
           <a:p>
             <a:pPr algn="ctr"/>
             <a:endParaRPr kumimoji="1" lang="ja-JP" altLang="en-US"/>
-          </a:p>
-        </p:txBody>
-      </p:sp>
-      <p:sp>
-        <p:nvSpPr>
-          <p:cNvPr id="77" name="正方形/長方形 76"/>
-          <p:cNvSpPr/>
-          <p:nvPr/>
-        </p:nvSpPr>
-        <p:spPr>
-          <a:xfrm>
-            <a:off x="332656" y="6588224"/>
-            <a:ext cx="1512168" cy="360040"/>
-          </a:xfrm>
-          <a:prstGeom prst="rect">
-            <a:avLst/>
-          </a:prstGeom>
-          <a:solidFill>
-            <a:schemeClr val="accent5">
-              <a:lumMod val="20000"/>
-              <a:lumOff val="80000"/>
-            </a:schemeClr>
-          </a:solidFill>
-          <a:ln>
-            <a:solidFill>
-              <a:schemeClr val="accent6">
-                <a:lumMod val="60000"/>
-                <a:lumOff val="40000"/>
-              </a:schemeClr>
-            </a:solidFill>
-          </a:ln>
-        </p:spPr>
-        <p:style>
-          <a:lnRef idx="2">
-            <a:schemeClr val="accent1">
-              <a:shade val="50000"/>
-            </a:schemeClr>
-          </a:lnRef>
-          <a:fillRef idx="1">
-            <a:schemeClr val="accent1"/>
-          </a:fillRef>
-          <a:effectRef idx="0">
-            <a:schemeClr val="accent1"/>
-          </a:effectRef>
-          <a:fontRef idx="minor">
-            <a:schemeClr val="lt1"/>
-          </a:fontRef>
-        </p:style>
-        <p:txBody>
-          <a:bodyPr rtlCol="0" anchor="ctr"/>
-          <a:lstStyle/>
-          <a:p>
-            <a:pPr algn="ctr"/>
-            <a:endParaRPr kumimoji="1" lang="ja-JP" altLang="en-US"/>
-          </a:p>
-        </p:txBody>
-      </p:sp>
-      <p:sp>
-        <p:nvSpPr>
-          <p:cNvPr id="78" name="テキスト ボックス 77"/>
-          <p:cNvSpPr txBox="1"/>
-          <p:nvPr/>
-        </p:nvSpPr>
-        <p:spPr>
-          <a:xfrm>
-            <a:off x="260648" y="6588224"/>
-            <a:ext cx="1656184" cy="369332"/>
-          </a:xfrm>
-          <a:prstGeom prst="rect">
-            <a:avLst/>
-          </a:prstGeom>
-          <a:noFill/>
-        </p:spPr>
-        <p:txBody>
-          <a:bodyPr wrap="square" rtlCol="0">
-            <a:spAutoFit/>
-          </a:bodyPr>
-          <a:lstStyle/>
-          <a:p>
-            <a:pPr algn="ctr"/>
-            <a:r>
-              <a:rPr kumimoji="1" lang="ja-JP" altLang="en-US" dirty="0" smtClean="0">
-                <a:solidFill>
-                  <a:schemeClr val="tx1">
-                    <a:lumMod val="75000"/>
-                    <a:lumOff val="25000"/>
-                  </a:schemeClr>
-                </a:solidFill>
-              </a:rPr>
-              <a:t>今後の計画</a:t>
-            </a:r>
-            <a:endParaRPr kumimoji="1" lang="ja-JP" altLang="en-US" dirty="0">
-              <a:solidFill>
-                <a:schemeClr val="tx1">
-                  <a:lumMod val="75000"/>
-                  <a:lumOff val="25000"/>
-                </a:schemeClr>
-              </a:solidFill>
-            </a:endParaRPr>
           </a:p>
         </p:txBody>
       </p:sp>
@@ -7900,8 +7602,8 @@
         </p:nvSpPr>
         <p:spPr>
           <a:xfrm>
-            <a:off x="620688" y="323528"/>
-            <a:ext cx="6048672" cy="2520280"/>
+            <a:off x="620688" y="251520"/>
+            <a:ext cx="6048672" cy="2592288"/>
           </a:xfrm>
           <a:prstGeom prst="roundRect">
             <a:avLst/>
@@ -7942,14 +7644,301 @@
       </p:sp>
       <p:sp>
         <p:nvSpPr>
-          <p:cNvPr id="38" name="正方形/長方形 37"/>
-          <p:cNvSpPr/>
+          <p:cNvPr id="42" name="テキスト ボックス 41"/>
+          <p:cNvSpPr txBox="1"/>
           <p:nvPr/>
         </p:nvSpPr>
         <p:spPr>
           <a:xfrm>
-            <a:off x="260648" y="107504"/>
-            <a:ext cx="1296144" cy="360040"/>
+            <a:off x="1412776" y="4572000"/>
+            <a:ext cx="720080" cy="369332"/>
+          </a:xfrm>
+          <a:prstGeom prst="rect">
+            <a:avLst/>
+          </a:prstGeom>
+          <a:noFill/>
+        </p:spPr>
+        <p:txBody>
+          <a:bodyPr wrap="square" rtlCol="0">
+            <a:spAutoFit/>
+          </a:bodyPr>
+          <a:lstStyle/>
+          <a:p>
+            <a:r>
+              <a:rPr kumimoji="1" lang="en-US" altLang="ja-JP" b="1" dirty="0" smtClean="0">
+                <a:solidFill>
+                  <a:schemeClr val="tx1">
+                    <a:lumMod val="75000"/>
+                    <a:lumOff val="25000"/>
+                  </a:schemeClr>
+                </a:solidFill>
+              </a:rPr>
+              <a:t>MAP</a:t>
+            </a:r>
+            <a:endParaRPr kumimoji="1" lang="ja-JP" altLang="en-US" b="1" dirty="0">
+              <a:solidFill>
+                <a:schemeClr val="tx1">
+                  <a:lumMod val="75000"/>
+                  <a:lumOff val="25000"/>
+                </a:schemeClr>
+              </a:solidFill>
+            </a:endParaRPr>
+          </a:p>
+        </p:txBody>
+      </p:sp>
+      <p:sp>
+        <p:nvSpPr>
+          <p:cNvPr id="43" name="テキスト ボックス 42"/>
+          <p:cNvSpPr txBox="1"/>
+          <p:nvPr/>
+        </p:nvSpPr>
+        <p:spPr>
+          <a:xfrm>
+            <a:off x="620688" y="1259632"/>
+            <a:ext cx="6768752" cy="1077218"/>
+          </a:xfrm>
+          <a:prstGeom prst="rect">
+            <a:avLst/>
+          </a:prstGeom>
+          <a:noFill/>
+        </p:spPr>
+        <p:txBody>
+          <a:bodyPr wrap="square" rtlCol="0">
+            <a:spAutoFit/>
+          </a:bodyPr>
+          <a:lstStyle/>
+          <a:p>
+            <a:pPr lvl="1"/>
+            <a:r>
+              <a:rPr lang="ja-JP" altLang="en-US" sz="1600" dirty="0" smtClean="0">
+                <a:solidFill>
+                  <a:schemeClr val="tx1">
+                    <a:lumMod val="75000"/>
+                    <a:lumOff val="25000"/>
+                  </a:schemeClr>
+                </a:solidFill>
+              </a:rPr>
+              <a:t>①そのデバイスに表示させた地図上で自車の表示する</a:t>
+            </a:r>
+            <a:endParaRPr lang="en-US" altLang="ja-JP" sz="1600" dirty="0" smtClean="0">
+              <a:solidFill>
+                <a:schemeClr val="tx1">
+                  <a:lumMod val="75000"/>
+                  <a:lumOff val="25000"/>
+                </a:schemeClr>
+              </a:solidFill>
+            </a:endParaRPr>
+          </a:p>
+          <a:p>
+            <a:pPr lvl="1"/>
+            <a:r>
+              <a:rPr lang="ja-JP" altLang="en-US" sz="1600" dirty="0" smtClean="0">
+                <a:solidFill>
+                  <a:schemeClr val="tx1">
+                    <a:lumMod val="75000"/>
+                    <a:lumOff val="25000"/>
+                  </a:schemeClr>
+                </a:solidFill>
+              </a:rPr>
+              <a:t>② </a:t>
+            </a:r>
+            <a:r>
+              <a:rPr lang="en-US" altLang="ja-JP" sz="1600" b="1" dirty="0" smtClean="0">
+                <a:solidFill>
+                  <a:schemeClr val="tx1">
+                    <a:lumMod val="75000"/>
+                    <a:lumOff val="25000"/>
+                  </a:schemeClr>
+                </a:solidFill>
+              </a:rPr>
+              <a:t>SNS</a:t>
+            </a:r>
+            <a:r>
+              <a:rPr lang="ja-JP" altLang="en-US" sz="1600" dirty="0" smtClean="0">
+                <a:solidFill>
+                  <a:schemeClr val="tx1">
+                    <a:lumMod val="75000"/>
+                    <a:lumOff val="25000"/>
+                  </a:schemeClr>
+                </a:solidFill>
+              </a:rPr>
+              <a:t>の</a:t>
+            </a:r>
+            <a:r>
+              <a:rPr lang="en-US" altLang="ja-JP" sz="1600" b="1" dirty="0" smtClean="0">
+                <a:solidFill>
+                  <a:schemeClr val="tx1">
+                    <a:lumMod val="75000"/>
+                    <a:lumOff val="25000"/>
+                  </a:schemeClr>
+                </a:solidFill>
+              </a:rPr>
+              <a:t>Twitter</a:t>
+            </a:r>
+            <a:r>
+              <a:rPr lang="ja-JP" altLang="en-US" sz="1600" dirty="0" smtClean="0">
+                <a:solidFill>
+                  <a:schemeClr val="tx1">
+                    <a:lumMod val="75000"/>
+                    <a:lumOff val="25000"/>
+                  </a:schemeClr>
+                </a:solidFill>
+              </a:rPr>
+              <a:t>と連携して自車の半径</a:t>
+            </a:r>
+            <a:r>
+              <a:rPr lang="en-US" altLang="ja-JP" sz="1600" b="1" dirty="0" smtClean="0">
+                <a:solidFill>
+                  <a:schemeClr val="tx1">
+                    <a:lumMod val="75000"/>
+                    <a:lumOff val="25000"/>
+                  </a:schemeClr>
+                </a:solidFill>
+              </a:rPr>
+              <a:t>10</a:t>
+            </a:r>
+            <a:r>
+              <a:rPr lang="ja-JP" altLang="en-US" sz="1600" dirty="0" smtClean="0">
+                <a:solidFill>
+                  <a:schemeClr val="tx1">
+                    <a:lumMod val="75000"/>
+                    <a:lumOff val="25000"/>
+                  </a:schemeClr>
+                </a:solidFill>
+              </a:rPr>
+              <a:t>キロ程度以内の</a:t>
+            </a:r>
+            <a:endParaRPr lang="en-US" altLang="ja-JP" sz="1600" dirty="0" smtClean="0">
+              <a:solidFill>
+                <a:schemeClr val="tx1">
+                  <a:lumMod val="75000"/>
+                  <a:lumOff val="25000"/>
+                </a:schemeClr>
+              </a:solidFill>
+            </a:endParaRPr>
+          </a:p>
+          <a:p>
+            <a:pPr lvl="1"/>
+            <a:r>
+              <a:rPr lang="ja-JP" altLang="en-US" sz="1600" dirty="0" smtClean="0">
+                <a:solidFill>
+                  <a:schemeClr val="tx1">
+                    <a:lumMod val="75000"/>
+                    <a:lumOff val="25000"/>
+                  </a:schemeClr>
+                </a:solidFill>
+              </a:rPr>
+              <a:t>　事故や渋滞</a:t>
+            </a:r>
+            <a:r>
+              <a:rPr lang="ja-JP" altLang="en-US" sz="1600" dirty="0" smtClean="0">
+                <a:solidFill>
+                  <a:schemeClr val="tx1">
+                    <a:lumMod val="75000"/>
+                    <a:lumOff val="25000"/>
+                  </a:schemeClr>
+                </a:solidFill>
+              </a:rPr>
+              <a:t>，交通取締</a:t>
+            </a:r>
+            <a:r>
+              <a:rPr lang="ja-JP" altLang="en-US" sz="1600" dirty="0" smtClean="0">
+                <a:solidFill>
+                  <a:schemeClr val="tx1">
+                    <a:lumMod val="75000"/>
+                    <a:lumOff val="25000"/>
+                  </a:schemeClr>
+                </a:solidFill>
+              </a:rPr>
+              <a:t>の情報を取得して表示させる</a:t>
+            </a:r>
+            <a:endParaRPr lang="en-US" altLang="ja-JP" sz="1600" dirty="0" smtClean="0">
+              <a:solidFill>
+                <a:schemeClr val="tx1">
+                  <a:lumMod val="75000"/>
+                  <a:lumOff val="25000"/>
+                </a:schemeClr>
+              </a:solidFill>
+            </a:endParaRPr>
+          </a:p>
+          <a:p>
+            <a:pPr lvl="1"/>
+            <a:r>
+              <a:rPr lang="ja-JP" altLang="en-US" sz="1600" dirty="0" smtClean="0">
+                <a:solidFill>
+                  <a:schemeClr val="tx1">
+                    <a:lumMod val="75000"/>
+                    <a:lumOff val="25000"/>
+                  </a:schemeClr>
+                </a:solidFill>
+              </a:rPr>
+              <a:t>③交通情報を投稿し共有する</a:t>
+            </a:r>
+            <a:endParaRPr lang="en-US" altLang="ja-JP" sz="1600" dirty="0" smtClean="0">
+              <a:solidFill>
+                <a:schemeClr val="tx1">
+                  <a:lumMod val="75000"/>
+                  <a:lumOff val="25000"/>
+                </a:schemeClr>
+              </a:solidFill>
+            </a:endParaRPr>
+          </a:p>
+        </p:txBody>
+      </p:sp>
+      <p:sp>
+        <p:nvSpPr>
+          <p:cNvPr id="44" name="テキスト ボックス 43"/>
+          <p:cNvSpPr txBox="1"/>
+          <p:nvPr/>
+        </p:nvSpPr>
+        <p:spPr>
+          <a:xfrm>
+            <a:off x="3789040" y="2483768"/>
+            <a:ext cx="3240360" cy="338554"/>
+          </a:xfrm>
+          <a:prstGeom prst="rect">
+            <a:avLst/>
+          </a:prstGeom>
+          <a:noFill/>
+        </p:spPr>
+        <p:txBody>
+          <a:bodyPr wrap="square" rtlCol="0">
+            <a:spAutoFit/>
+          </a:bodyPr>
+          <a:lstStyle/>
+          <a:p>
+            <a:r>
+              <a:rPr kumimoji="1" lang="ja-JP" altLang="en-US" sz="1600" dirty="0" smtClean="0">
+                <a:solidFill>
+                  <a:schemeClr val="tx1">
+                    <a:lumMod val="75000"/>
+                    <a:lumOff val="25000"/>
+                  </a:schemeClr>
+                </a:solidFill>
+              </a:rPr>
+              <a:t>以上の機能を検討している．</a:t>
+            </a:r>
+            <a:endParaRPr kumimoji="1" lang="en-US" altLang="ja-JP" sz="1600" dirty="0" smtClean="0">
+              <a:solidFill>
+                <a:schemeClr val="tx1">
+                  <a:lumMod val="75000"/>
+                  <a:lumOff val="25000"/>
+                </a:schemeClr>
+              </a:solidFill>
+            </a:endParaRPr>
+          </a:p>
+        </p:txBody>
+      </p:sp>
+      <p:sp>
+        <p:nvSpPr>
+          <p:cNvPr id="34" name="テキスト ボックス 33"/>
+          <p:cNvSpPr txBox="1"/>
+          <p:nvPr/>
+        </p:nvSpPr>
+        <p:spPr>
+          <a:xfrm>
+            <a:off x="476672" y="107504"/>
+            <a:ext cx="1440160" cy="400110"/>
           </a:xfrm>
           <a:prstGeom prst="rect">
             <a:avLst/>
@@ -7960,7 +7949,7 @@
               <a:lumOff val="80000"/>
             </a:schemeClr>
           </a:solidFill>
-          <a:ln>
+          <a:ln w="28575">
             <a:solidFill>
               <a:schemeClr val="accent6">
                 <a:lumMod val="60000"/>
@@ -7969,55 +7958,15 @@
             </a:solidFill>
           </a:ln>
         </p:spPr>
-        <p:style>
-          <a:lnRef idx="2">
-            <a:schemeClr val="accent1">
-              <a:shade val="50000"/>
-            </a:schemeClr>
-          </a:lnRef>
-          <a:fillRef idx="1">
-            <a:schemeClr val="accent1"/>
-          </a:fillRef>
-          <a:effectRef idx="0">
-            <a:schemeClr val="accent1"/>
-          </a:effectRef>
-          <a:fontRef idx="minor">
-            <a:schemeClr val="lt1"/>
-          </a:fontRef>
-        </p:style>
-        <p:txBody>
-          <a:bodyPr rtlCol="0" anchor="ctr"/>
-          <a:lstStyle/>
-          <a:p>
-            <a:pPr algn="ctr"/>
-            <a:endParaRPr kumimoji="1" lang="ja-JP" altLang="en-US"/>
-          </a:p>
-        </p:txBody>
-      </p:sp>
-      <p:sp>
-        <p:nvSpPr>
-          <p:cNvPr id="74" name="テキスト ボックス 73"/>
-          <p:cNvSpPr txBox="1"/>
-          <p:nvPr/>
-        </p:nvSpPr>
-        <p:spPr>
-          <a:xfrm>
-            <a:off x="332656" y="107504"/>
-            <a:ext cx="1368152" cy="369332"/>
-          </a:xfrm>
-          <a:prstGeom prst="rect">
-            <a:avLst/>
-          </a:prstGeom>
-          <a:noFill/>
-        </p:spPr>
         <p:txBody>
           <a:bodyPr wrap="square" rtlCol="0">
             <a:spAutoFit/>
           </a:bodyPr>
           <a:lstStyle/>
           <a:p>
-            <a:r>
-              <a:rPr kumimoji="1" lang="ja-JP" altLang="en-US" dirty="0" smtClean="0">
+            <a:pPr algn="ctr"/>
+            <a:r>
+              <a:rPr kumimoji="1" lang="ja-JP" altLang="en-US" sz="2000" dirty="0" smtClean="0">
                 <a:solidFill>
                   <a:schemeClr val="tx1">
                     <a:lumMod val="75000"/>
@@ -8027,7 +7976,7 @@
               </a:rPr>
               <a:t>進捗状況</a:t>
             </a:r>
-            <a:endParaRPr kumimoji="1" lang="ja-JP" altLang="en-US" dirty="0">
+            <a:endParaRPr kumimoji="1" lang="ja-JP" altLang="en-US" sz="2000" dirty="0">
               <a:solidFill>
                 <a:schemeClr val="tx1">
                   <a:lumMod val="75000"/>
@@ -8040,19 +7989,32 @@
       </p:sp>
       <p:sp>
         <p:nvSpPr>
-          <p:cNvPr id="42" name="テキスト ボックス 41"/>
+          <p:cNvPr id="35" name="テキスト ボックス 34"/>
           <p:cNvSpPr txBox="1"/>
           <p:nvPr/>
         </p:nvSpPr>
         <p:spPr>
           <a:xfrm>
-            <a:off x="1412776" y="4572000"/>
-            <a:ext cx="720080" cy="369332"/>
+            <a:off x="476672" y="2987824"/>
+            <a:ext cx="2160240" cy="400110"/>
           </a:xfrm>
           <a:prstGeom prst="rect">
             <a:avLst/>
           </a:prstGeom>
-          <a:noFill/>
+          <a:solidFill>
+            <a:schemeClr val="accent5">
+              <a:lumMod val="20000"/>
+              <a:lumOff val="80000"/>
+            </a:schemeClr>
+          </a:solidFill>
+          <a:ln w="28575">
+            <a:solidFill>
+              <a:schemeClr val="accent6">
+                <a:lumMod val="60000"/>
+                <a:lumOff val="40000"/>
+              </a:schemeClr>
+            </a:solidFill>
+          </a:ln>
         </p:spPr>
         <p:txBody>
           <a:bodyPr wrap="square" rtlCol="0">
@@ -8060,8 +8022,9 @@
           </a:bodyPr>
           <a:lstStyle/>
           <a:p>
-            <a:r>
-              <a:rPr kumimoji="1" lang="en-US" altLang="ja-JP" b="1" dirty="0" smtClean="0">
+            <a:pPr algn="ctr"/>
+            <a:r>
+              <a:rPr kumimoji="1" lang="ja-JP" altLang="en-US" sz="2000" dirty="0" smtClean="0">
                 <a:solidFill>
                   <a:schemeClr val="tx1">
                     <a:lumMod val="75000"/>
@@ -8069,9 +8032,9 @@
                   </a:schemeClr>
                 </a:solidFill>
               </a:rPr>
-              <a:t>MAP</a:t>
-            </a:r>
-            <a:endParaRPr kumimoji="1" lang="ja-JP" altLang="en-US" b="1" dirty="0">
+              <a:t>成果物イメージ</a:t>
+            </a:r>
+            <a:endParaRPr kumimoji="1" lang="ja-JP" altLang="en-US" sz="2000" dirty="0">
               <a:solidFill>
                 <a:schemeClr val="tx1">
                   <a:lumMod val="75000"/>
@@ -8084,19 +8047,32 @@
       </p:sp>
       <p:sp>
         <p:nvSpPr>
-          <p:cNvPr id="43" name="テキスト ボックス 42"/>
+          <p:cNvPr id="36" name="テキスト ボックス 35"/>
           <p:cNvSpPr txBox="1"/>
           <p:nvPr/>
         </p:nvSpPr>
         <p:spPr>
           <a:xfrm>
-            <a:off x="620688" y="1259632"/>
-            <a:ext cx="6768752" cy="1077218"/>
+            <a:off x="476672" y="6588224"/>
+            <a:ext cx="1656184" cy="400110"/>
           </a:xfrm>
           <a:prstGeom prst="rect">
             <a:avLst/>
           </a:prstGeom>
-          <a:noFill/>
+          <a:solidFill>
+            <a:schemeClr val="accent5">
+              <a:lumMod val="20000"/>
+              <a:lumOff val="80000"/>
+            </a:schemeClr>
+          </a:solidFill>
+          <a:ln w="28575">
+            <a:solidFill>
+              <a:schemeClr val="accent6">
+                <a:lumMod val="60000"/>
+                <a:lumOff val="40000"/>
+              </a:schemeClr>
+            </a:solidFill>
+          </a:ln>
         </p:spPr>
         <p:txBody>
           <a:bodyPr wrap="square" rtlCol="0">
@@ -8104,9 +8080,9 @@
           </a:bodyPr>
           <a:lstStyle/>
           <a:p>
-            <a:pPr lvl="1"/>
-            <a:r>
-              <a:rPr lang="ja-JP" altLang="en-US" sz="1600" dirty="0" smtClean="0">
+            <a:pPr algn="ctr"/>
+            <a:r>
+              <a:rPr kumimoji="1" lang="ja-JP" altLang="en-US" sz="2000" dirty="0" smtClean="0">
                 <a:solidFill>
                   <a:schemeClr val="tx1">
                     <a:lumMod val="75000"/>
@@ -8114,185 +8090,9 @@
                   </a:schemeClr>
                 </a:solidFill>
               </a:rPr>
-              <a:t>①そのデバイスに表示させた地図上で自車の表示する</a:t>
-            </a:r>
-            <a:endParaRPr lang="en-US" altLang="ja-JP" sz="1600" dirty="0" smtClean="0">
-              <a:solidFill>
-                <a:schemeClr val="tx1">
-                  <a:lumMod val="75000"/>
-                  <a:lumOff val="25000"/>
-                </a:schemeClr>
-              </a:solidFill>
-            </a:endParaRPr>
-          </a:p>
-          <a:p>
-            <a:pPr lvl="1"/>
-            <a:r>
-              <a:rPr lang="ja-JP" altLang="en-US" sz="1600" dirty="0" smtClean="0">
-                <a:solidFill>
-                  <a:schemeClr val="tx1">
-                    <a:lumMod val="75000"/>
-                    <a:lumOff val="25000"/>
-                  </a:schemeClr>
-                </a:solidFill>
-              </a:rPr>
-              <a:t>② </a:t>
-            </a:r>
-            <a:r>
-              <a:rPr lang="en-US" altLang="ja-JP" sz="1600" b="1" dirty="0" smtClean="0">
-                <a:solidFill>
-                  <a:schemeClr val="tx1">
-                    <a:lumMod val="75000"/>
-                    <a:lumOff val="25000"/>
-                  </a:schemeClr>
-                </a:solidFill>
-              </a:rPr>
-              <a:t>SNS</a:t>
-            </a:r>
-            <a:r>
-              <a:rPr lang="ja-JP" altLang="en-US" sz="1600" dirty="0" smtClean="0">
-                <a:solidFill>
-                  <a:schemeClr val="tx1">
-                    <a:lumMod val="75000"/>
-                    <a:lumOff val="25000"/>
-                  </a:schemeClr>
-                </a:solidFill>
-              </a:rPr>
-              <a:t>の</a:t>
-            </a:r>
-            <a:r>
-              <a:rPr lang="en-US" altLang="ja-JP" sz="1600" b="1" dirty="0" smtClean="0">
-                <a:solidFill>
-                  <a:schemeClr val="tx1">
-                    <a:lumMod val="75000"/>
-                    <a:lumOff val="25000"/>
-                  </a:schemeClr>
-                </a:solidFill>
-              </a:rPr>
-              <a:t>Twitter</a:t>
-            </a:r>
-            <a:r>
-              <a:rPr lang="ja-JP" altLang="en-US" sz="1600" dirty="0" smtClean="0">
-                <a:solidFill>
-                  <a:schemeClr val="tx1">
-                    <a:lumMod val="75000"/>
-                    <a:lumOff val="25000"/>
-                  </a:schemeClr>
-                </a:solidFill>
-              </a:rPr>
-              <a:t>と連携して自車の半径</a:t>
-            </a:r>
-            <a:r>
-              <a:rPr lang="en-US" altLang="ja-JP" sz="1600" dirty="0" smtClean="0">
-                <a:solidFill>
-                  <a:schemeClr val="tx1">
-                    <a:lumMod val="75000"/>
-                    <a:lumOff val="25000"/>
-                  </a:schemeClr>
-                </a:solidFill>
-              </a:rPr>
-              <a:t>10</a:t>
-            </a:r>
-            <a:r>
-              <a:rPr lang="ja-JP" altLang="en-US" sz="1600" dirty="0" smtClean="0">
-                <a:solidFill>
-                  <a:schemeClr val="tx1">
-                    <a:lumMod val="75000"/>
-                    <a:lumOff val="25000"/>
-                  </a:schemeClr>
-                </a:solidFill>
-              </a:rPr>
-              <a:t>キロ程度以内の</a:t>
-            </a:r>
-            <a:endParaRPr lang="en-US" altLang="ja-JP" sz="1600" dirty="0" smtClean="0">
-              <a:solidFill>
-                <a:schemeClr val="tx1">
-                  <a:lumMod val="75000"/>
-                  <a:lumOff val="25000"/>
-                </a:schemeClr>
-              </a:solidFill>
-            </a:endParaRPr>
-          </a:p>
-          <a:p>
-            <a:pPr lvl="1"/>
-            <a:r>
-              <a:rPr lang="ja-JP" altLang="en-US" sz="1600" dirty="0" smtClean="0">
-                <a:solidFill>
-                  <a:schemeClr val="tx1">
-                    <a:lumMod val="75000"/>
-                    <a:lumOff val="25000"/>
-                  </a:schemeClr>
-                </a:solidFill>
-              </a:rPr>
-              <a:t>　事故や渋滞，取締の情報を取得して表示させる</a:t>
-            </a:r>
-            <a:endParaRPr lang="en-US" altLang="ja-JP" sz="1600" dirty="0" smtClean="0">
-              <a:solidFill>
-                <a:schemeClr val="tx1">
-                  <a:lumMod val="75000"/>
-                  <a:lumOff val="25000"/>
-                </a:schemeClr>
-              </a:solidFill>
-            </a:endParaRPr>
-          </a:p>
-          <a:p>
-            <a:pPr lvl="1"/>
-            <a:r>
-              <a:rPr lang="ja-JP" altLang="en-US" sz="1600" dirty="0" smtClean="0">
-                <a:solidFill>
-                  <a:schemeClr val="tx1">
-                    <a:lumMod val="75000"/>
-                    <a:lumOff val="25000"/>
-                  </a:schemeClr>
-                </a:solidFill>
-              </a:rPr>
-              <a:t>③交通情報を投稿し共有する</a:t>
-            </a:r>
-            <a:endParaRPr lang="en-US" altLang="ja-JP" sz="1600" dirty="0" smtClean="0">
-              <a:solidFill>
-                <a:schemeClr val="tx1">
-                  <a:lumMod val="75000"/>
-                  <a:lumOff val="25000"/>
-                </a:schemeClr>
-              </a:solidFill>
-            </a:endParaRPr>
-          </a:p>
-        </p:txBody>
-      </p:sp>
-      <p:sp>
-        <p:nvSpPr>
-          <p:cNvPr id="44" name="テキスト ボックス 43"/>
-          <p:cNvSpPr txBox="1"/>
-          <p:nvPr/>
-        </p:nvSpPr>
-        <p:spPr>
-          <a:xfrm>
-            <a:off x="3789040" y="2483768"/>
-            <a:ext cx="3240360" cy="338554"/>
-          </a:xfrm>
-          <a:prstGeom prst="rect">
-            <a:avLst/>
-          </a:prstGeom>
-          <a:noFill/>
-        </p:spPr>
-        <p:txBody>
-          <a:bodyPr wrap="square" rtlCol="0">
-            <a:spAutoFit/>
-          </a:bodyPr>
-          <a:lstStyle/>
-          <a:p>
-            <a:r>
-              <a:rPr kumimoji="1" lang="ja-JP" altLang="en-US" sz="1600" dirty="0" smtClean="0">
-                <a:solidFill>
-                  <a:schemeClr val="tx1">
-                    <a:lumMod val="75000"/>
-                    <a:lumOff val="25000"/>
-                  </a:schemeClr>
-                </a:solidFill>
-              </a:rPr>
-              <a:t>以上の機能を検討している．</a:t>
-            </a:r>
-            <a:endParaRPr kumimoji="1" lang="en-US" altLang="ja-JP" sz="1600" dirty="0" smtClean="0">
+              <a:t>今後の計画</a:t>
+            </a:r>
+            <a:endParaRPr kumimoji="1" lang="ja-JP" altLang="en-US" sz="2000" dirty="0">
               <a:solidFill>
                 <a:schemeClr val="tx1">
                   <a:lumMod val="75000"/>
